--- a/PPP/Latex/Evolution of Difficult Path Planning Problems.pptx
+++ b/PPP/Latex/Evolution of Difficult Path Planning Problems.pptx
@@ -2,10 +2,10 @@
 <file path=ppt/presentation.xml><?xml version="1.0" encoding="utf-8"?>
 <p:presentation xmlns:a="http://schemas.openxmlformats.org/drawingml/2006/main" xmlns:r="http://schemas.openxmlformats.org/officeDocument/2006/relationships" xmlns:p="http://schemas.openxmlformats.org/presentationml/2006/main" autoCompressPictures="0">
   <p:sldMasterIdLst>
-    <p:sldMasterId id="2147483648" r:id="rId1"/>
+    <p:sldMasterId id="2147483673" r:id="rId1"/>
   </p:sldMasterIdLst>
   <p:notesMasterIdLst>
-    <p:notesMasterId r:id="rId10"/>
+    <p:notesMasterId r:id="rId11"/>
   </p:notesMasterIdLst>
   <p:sldIdLst>
     <p:sldId id="256" r:id="rId2"/>
@@ -13,9 +13,10 @@
     <p:sldId id="258" r:id="rId4"/>
     <p:sldId id="259" r:id="rId5"/>
     <p:sldId id="260" r:id="rId6"/>
-    <p:sldId id="263" r:id="rId7"/>
-    <p:sldId id="261" r:id="rId8"/>
+    <p:sldId id="261" r:id="rId7"/>
+    <p:sldId id="265" r:id="rId8"/>
     <p:sldId id="262" r:id="rId9"/>
+    <p:sldId id="264" r:id="rId10"/>
   </p:sldIdLst>
   <p:sldSz cx="12192000" cy="6858000"/>
   <p:notesSz cx="6858000" cy="9144000"/>
@@ -114,7 +115,996 @@
       </a:defRPr>
     </a:lvl9pPr>
   </p:defaultTextStyle>
+  <p:extLst>
+    <p:ext uri="{EFAFB233-063F-42B5-8137-9DF3F51BA10A}">
+      <p15:sldGuideLst xmlns:p15="http://schemas.microsoft.com/office/powerpoint/2012/main"/>
+    </p:ext>
+  </p:extLst>
 </p:presentation>
+</file>
+
+<file path=ppt/charts/chart1.xml><?xml version="1.0" encoding="utf-8"?>
+<c:chartSpace xmlns:c="http://schemas.openxmlformats.org/drawingml/2006/chart" xmlns:a="http://schemas.openxmlformats.org/drawingml/2006/main" xmlns:r="http://schemas.openxmlformats.org/officeDocument/2006/relationships">
+  <c:date1904 val="0"/>
+  <c:lang val="en-US"/>
+  <c:roundedCorners val="0"/>
+  <mc:AlternateContent xmlns:mc="http://schemas.openxmlformats.org/markup-compatibility/2006">
+    <mc:Choice xmlns:c14="http://schemas.microsoft.com/office/drawing/2007/8/2/chart" Requires="c14">
+      <c14:style val="102"/>
+    </mc:Choice>
+    <mc:Fallback>
+      <c:style val="2"/>
+    </mc:Fallback>
+  </mc:AlternateContent>
+  <c:chart>
+    <c:title>
+      <c:tx>
+        <c:rich>
+          <a:bodyPr rot="0" spcFirstLastPara="1" vertOverflow="ellipsis" vert="horz" wrap="square" anchor="ctr" anchorCtr="1"/>
+          <a:lstStyle/>
+          <a:p>
+            <a:pPr>
+              <a:defRPr sz="1400" b="0" i="0" u="none" strike="noStrike" kern="1200" spc="0" baseline="0">
+                <a:solidFill>
+                  <a:schemeClr val="tx1">
+                    <a:lumMod val="65000"/>
+                    <a:lumOff val="35000"/>
+                  </a:schemeClr>
+                </a:solidFill>
+                <a:latin typeface="+mn-lt"/>
+                <a:ea typeface="+mn-ea"/>
+                <a:cs typeface="+mn-cs"/>
+              </a:defRPr>
+            </a:pPr>
+            <a:r>
+              <a:rPr lang="en-GB"/>
+              <a:t>PPP Completion %</a:t>
+            </a:r>
+          </a:p>
+        </c:rich>
+      </c:tx>
+      <c:layout/>
+      <c:overlay val="0"/>
+      <c:spPr>
+        <a:noFill/>
+        <a:ln>
+          <a:noFill/>
+        </a:ln>
+        <a:effectLst/>
+      </c:spPr>
+      <c:txPr>
+        <a:bodyPr rot="0" spcFirstLastPara="1" vertOverflow="ellipsis" vert="horz" wrap="square" anchor="ctr" anchorCtr="1"/>
+        <a:lstStyle/>
+        <a:p>
+          <a:pPr>
+            <a:defRPr sz="1400" b="0" i="0" u="none" strike="noStrike" kern="1200" spc="0" baseline="0">
+              <a:solidFill>
+                <a:schemeClr val="tx1">
+                  <a:lumMod val="65000"/>
+                  <a:lumOff val="35000"/>
+                </a:schemeClr>
+              </a:solidFill>
+              <a:latin typeface="+mn-lt"/>
+              <a:ea typeface="+mn-ea"/>
+              <a:cs typeface="+mn-cs"/>
+            </a:defRPr>
+          </a:pPr>
+          <a:endParaRPr lang="en-US"/>
+        </a:p>
+      </c:txPr>
+    </c:title>
+    <c:autoTitleDeleted val="0"/>
+    <c:plotArea>
+      <c:layout/>
+      <c:barChart>
+        <c:barDir val="col"/>
+        <c:grouping val="clustered"/>
+        <c:varyColors val="0"/>
+        <c:ser>
+          <c:idx val="0"/>
+          <c:order val="0"/>
+          <c:tx>
+            <c:strRef>
+              <c:f>Sheet1!$B$5</c:f>
+              <c:strCache>
+                <c:ptCount val="1"/>
+                <c:pt idx="0">
+                  <c:v>Wei</c:v>
+                </c:pt>
+              </c:strCache>
+            </c:strRef>
+          </c:tx>
+          <c:spPr>
+            <a:solidFill>
+              <a:schemeClr val="accent6"/>
+            </a:solidFill>
+            <a:ln>
+              <a:noFill/>
+            </a:ln>
+            <a:effectLst/>
+          </c:spPr>
+          <c:invertIfNegative val="0"/>
+          <c:cat>
+            <c:strRef>
+              <c:f>Sheet1!$C$4:$J$4</c:f>
+              <c:strCache>
+                <c:ptCount val="8"/>
+                <c:pt idx="0">
+                  <c:v>WallFollower [l]</c:v>
+                </c:pt>
+                <c:pt idx="1">
+                  <c:v>WallFollower [r]</c:v>
+                </c:pt>
+                <c:pt idx="2">
+                  <c:v>Explorer</c:v>
+                </c:pt>
+                <c:pt idx="3">
+                  <c:v>Explorer [Limited Memory: 5x5]</c:v>
+                </c:pt>
+                <c:pt idx="4">
+                  <c:v>Explorer [Noise: 0.10]</c:v>
+                </c:pt>
+                <c:pt idx="5">
+                  <c:v>Long Term Explorer</c:v>
+                </c:pt>
+                <c:pt idx="6">
+                  <c:v>Bumper</c:v>
+                </c:pt>
+                <c:pt idx="7">
+                  <c:v>Decision Bumper</c:v>
+                </c:pt>
+              </c:strCache>
+            </c:strRef>
+          </c:cat>
+          <c:val>
+            <c:numRef>
+              <c:f>Sheet1!$C$5:$J$5</c:f>
+              <c:numCache>
+                <c:formatCode>General</c:formatCode>
+                <c:ptCount val="8"/>
+                <c:pt idx="0">
+                  <c:v>74.5</c:v>
+                </c:pt>
+                <c:pt idx="1">
+                  <c:v>78.333333333333329</c:v>
+                </c:pt>
+                <c:pt idx="2">
+                  <c:v>76.816666666666663</c:v>
+                </c:pt>
+                <c:pt idx="3">
+                  <c:v>16.54666666666667</c:v>
+                </c:pt>
+                <c:pt idx="4">
+                  <c:v>65.926666666666662</c:v>
+                </c:pt>
+                <c:pt idx="5">
+                  <c:v>97.010000000000019</c:v>
+                </c:pt>
+                <c:pt idx="6">
+                  <c:v>32.193333333333335</c:v>
+                </c:pt>
+                <c:pt idx="7">
+                  <c:v>32.86</c:v>
+                </c:pt>
+              </c:numCache>
+            </c:numRef>
+          </c:val>
+        </c:ser>
+        <c:ser>
+          <c:idx val="1"/>
+          <c:order val="1"/>
+          <c:tx>
+            <c:strRef>
+              <c:f>Sheet1!$B$6</c:f>
+              <c:strCache>
+                <c:ptCount val="1"/>
+                <c:pt idx="0">
+                  <c:v>Difficulty</c:v>
+                </c:pt>
+              </c:strCache>
+            </c:strRef>
+          </c:tx>
+          <c:spPr>
+            <a:solidFill>
+              <a:schemeClr val="accent5"/>
+            </a:solidFill>
+            <a:ln>
+              <a:noFill/>
+            </a:ln>
+            <a:effectLst/>
+          </c:spPr>
+          <c:invertIfNegative val="0"/>
+          <c:cat>
+            <c:strRef>
+              <c:f>Sheet1!$C$4:$J$4</c:f>
+              <c:strCache>
+                <c:ptCount val="8"/>
+                <c:pt idx="0">
+                  <c:v>WallFollower [l]</c:v>
+                </c:pt>
+                <c:pt idx="1">
+                  <c:v>WallFollower [r]</c:v>
+                </c:pt>
+                <c:pt idx="2">
+                  <c:v>Explorer</c:v>
+                </c:pt>
+                <c:pt idx="3">
+                  <c:v>Explorer [Limited Memory: 5x5]</c:v>
+                </c:pt>
+                <c:pt idx="4">
+                  <c:v>Explorer [Noise: 0.10]</c:v>
+                </c:pt>
+                <c:pt idx="5">
+                  <c:v>Long Term Explorer</c:v>
+                </c:pt>
+                <c:pt idx="6">
+                  <c:v>Bumper</c:v>
+                </c:pt>
+                <c:pt idx="7">
+                  <c:v>Decision Bumper</c:v>
+                </c:pt>
+              </c:strCache>
+            </c:strRef>
+          </c:cat>
+          <c:val>
+            <c:numRef>
+              <c:f>Sheet1!$C$6:$J$6</c:f>
+              <c:numCache>
+                <c:formatCode>General</c:formatCode>
+                <c:ptCount val="8"/>
+                <c:pt idx="0">
+                  <c:v>81.243333333333339</c:v>
+                </c:pt>
+                <c:pt idx="1">
+                  <c:v>93.325000000000003</c:v>
+                </c:pt>
+                <c:pt idx="2">
+                  <c:v>80.90333333333335</c:v>
+                </c:pt>
+                <c:pt idx="3">
+                  <c:v>18.84</c:v>
+                </c:pt>
+                <c:pt idx="4">
+                  <c:v>68.151666666666657</c:v>
+                </c:pt>
+                <c:pt idx="5">
+                  <c:v>94.818333333333328</c:v>
+                </c:pt>
+                <c:pt idx="6">
+                  <c:v>71.118333333333339</c:v>
+                </c:pt>
+                <c:pt idx="7">
+                  <c:v>73.451666666666668</c:v>
+                </c:pt>
+              </c:numCache>
+            </c:numRef>
+          </c:val>
+        </c:ser>
+        <c:dLbls>
+          <c:showLegendKey val="0"/>
+          <c:showVal val="0"/>
+          <c:showCatName val="0"/>
+          <c:showSerName val="0"/>
+          <c:showPercent val="0"/>
+          <c:showBubbleSize val="0"/>
+        </c:dLbls>
+        <c:gapWidth val="219"/>
+        <c:overlap val="-27"/>
+        <c:axId val="358155360"/>
+        <c:axId val="358157712"/>
+      </c:barChart>
+      <c:catAx>
+        <c:axId val="358155360"/>
+        <c:scaling>
+          <c:orientation val="minMax"/>
+        </c:scaling>
+        <c:delete val="0"/>
+        <c:axPos val="b"/>
+        <c:numFmt formatCode="General" sourceLinked="1"/>
+        <c:majorTickMark val="none"/>
+        <c:minorTickMark val="none"/>
+        <c:tickLblPos val="nextTo"/>
+        <c:spPr>
+          <a:noFill/>
+          <a:ln w="9525" cap="flat" cmpd="sng" algn="ctr">
+            <a:solidFill>
+              <a:schemeClr val="tx1">
+                <a:lumMod val="15000"/>
+                <a:lumOff val="85000"/>
+              </a:schemeClr>
+            </a:solidFill>
+            <a:round/>
+          </a:ln>
+          <a:effectLst/>
+        </c:spPr>
+        <c:txPr>
+          <a:bodyPr rot="-60000000" spcFirstLastPara="1" vertOverflow="ellipsis" vert="horz" wrap="square" anchor="ctr" anchorCtr="1"/>
+          <a:lstStyle/>
+          <a:p>
+            <a:pPr>
+              <a:defRPr sz="900" b="0" i="0" u="none" strike="noStrike" kern="1200" baseline="0">
+                <a:solidFill>
+                  <a:schemeClr val="tx1">
+                    <a:lumMod val="65000"/>
+                    <a:lumOff val="35000"/>
+                  </a:schemeClr>
+                </a:solidFill>
+                <a:latin typeface="+mn-lt"/>
+                <a:ea typeface="+mn-ea"/>
+                <a:cs typeface="+mn-cs"/>
+              </a:defRPr>
+            </a:pPr>
+            <a:endParaRPr lang="en-US"/>
+          </a:p>
+        </c:txPr>
+        <c:crossAx val="358157712"/>
+        <c:crosses val="autoZero"/>
+        <c:auto val="1"/>
+        <c:lblAlgn val="ctr"/>
+        <c:lblOffset val="100"/>
+        <c:noMultiLvlLbl val="0"/>
+      </c:catAx>
+      <c:valAx>
+        <c:axId val="358157712"/>
+        <c:scaling>
+          <c:orientation val="minMax"/>
+        </c:scaling>
+        <c:delete val="0"/>
+        <c:axPos val="l"/>
+        <c:majorGridlines>
+          <c:spPr>
+            <a:ln w="9525" cap="flat" cmpd="sng" algn="ctr">
+              <a:solidFill>
+                <a:schemeClr val="tx1">
+                  <a:lumMod val="15000"/>
+                  <a:lumOff val="85000"/>
+                </a:schemeClr>
+              </a:solidFill>
+              <a:round/>
+            </a:ln>
+            <a:effectLst/>
+          </c:spPr>
+        </c:majorGridlines>
+        <c:numFmt formatCode="General" sourceLinked="1"/>
+        <c:majorTickMark val="none"/>
+        <c:minorTickMark val="none"/>
+        <c:tickLblPos val="nextTo"/>
+        <c:spPr>
+          <a:noFill/>
+          <a:ln>
+            <a:noFill/>
+          </a:ln>
+          <a:effectLst/>
+        </c:spPr>
+        <c:txPr>
+          <a:bodyPr rot="-60000000" spcFirstLastPara="1" vertOverflow="ellipsis" vert="horz" wrap="square" anchor="ctr" anchorCtr="1"/>
+          <a:lstStyle/>
+          <a:p>
+            <a:pPr>
+              <a:defRPr sz="900" b="0" i="0" u="none" strike="noStrike" kern="1200" baseline="0">
+                <a:solidFill>
+                  <a:schemeClr val="tx1">
+                    <a:lumMod val="65000"/>
+                    <a:lumOff val="35000"/>
+                  </a:schemeClr>
+                </a:solidFill>
+                <a:latin typeface="+mn-lt"/>
+                <a:ea typeface="+mn-ea"/>
+                <a:cs typeface="+mn-cs"/>
+              </a:defRPr>
+            </a:pPr>
+            <a:endParaRPr lang="en-US"/>
+          </a:p>
+        </c:txPr>
+        <c:crossAx val="358155360"/>
+        <c:crosses val="autoZero"/>
+        <c:crossBetween val="between"/>
+      </c:valAx>
+      <c:spPr>
+        <a:noFill/>
+        <a:ln>
+          <a:noFill/>
+        </a:ln>
+        <a:effectLst/>
+      </c:spPr>
+    </c:plotArea>
+    <c:legend>
+      <c:legendPos val="b"/>
+      <c:layout/>
+      <c:overlay val="0"/>
+      <c:spPr>
+        <a:noFill/>
+        <a:ln>
+          <a:noFill/>
+        </a:ln>
+        <a:effectLst/>
+      </c:spPr>
+      <c:txPr>
+        <a:bodyPr rot="0" spcFirstLastPara="1" vertOverflow="ellipsis" vert="horz" wrap="square" anchor="ctr" anchorCtr="1"/>
+        <a:lstStyle/>
+        <a:p>
+          <a:pPr>
+            <a:defRPr sz="900" b="0" i="0" u="none" strike="noStrike" kern="1200" baseline="0">
+              <a:solidFill>
+                <a:schemeClr val="tx1">
+                  <a:lumMod val="65000"/>
+                  <a:lumOff val="35000"/>
+                </a:schemeClr>
+              </a:solidFill>
+              <a:latin typeface="+mn-lt"/>
+              <a:ea typeface="+mn-ea"/>
+              <a:cs typeface="+mn-cs"/>
+            </a:defRPr>
+          </a:pPr>
+          <a:endParaRPr lang="en-US"/>
+        </a:p>
+      </c:txPr>
+    </c:legend>
+    <c:plotVisOnly val="1"/>
+    <c:dispBlanksAs val="gap"/>
+    <c:showDLblsOverMax val="0"/>
+  </c:chart>
+  <c:spPr>
+    <a:noFill/>
+    <a:ln>
+      <a:noFill/>
+    </a:ln>
+    <a:effectLst/>
+  </c:spPr>
+  <c:txPr>
+    <a:bodyPr/>
+    <a:lstStyle/>
+    <a:p>
+      <a:pPr>
+        <a:defRPr/>
+      </a:pPr>
+      <a:endParaRPr lang="en-US"/>
+    </a:p>
+  </c:txPr>
+  <c:externalData r:id="rId3">
+    <c:autoUpdate val="0"/>
+  </c:externalData>
+</c:chartSpace>
+</file>
+
+<file path=ppt/charts/colors1.xml><?xml version="1.0" encoding="utf-8"?>
+<cs:colorStyle xmlns:cs="http://schemas.microsoft.com/office/drawing/2012/chartStyle" xmlns:a="http://schemas.openxmlformats.org/drawingml/2006/main" meth="cycle" id="13">
+  <a:schemeClr val="accent6"/>
+  <a:schemeClr val="accent5"/>
+  <a:schemeClr val="accent4"/>
+  <cs:variation/>
+  <cs:variation>
+    <a:lumMod val="60000"/>
+  </cs:variation>
+  <cs:variation>
+    <a:lumMod val="80000"/>
+    <a:lumOff val="20000"/>
+  </cs:variation>
+  <cs:variation>
+    <a:lumMod val="80000"/>
+  </cs:variation>
+  <cs:variation>
+    <a:lumMod val="60000"/>
+    <a:lumOff val="40000"/>
+  </cs:variation>
+  <cs:variation>
+    <a:lumMod val="50000"/>
+  </cs:variation>
+  <cs:variation>
+    <a:lumMod val="70000"/>
+    <a:lumOff val="30000"/>
+  </cs:variation>
+  <cs:variation>
+    <a:lumMod val="70000"/>
+  </cs:variation>
+  <cs:variation>
+    <a:lumMod val="50000"/>
+    <a:lumOff val="50000"/>
+  </cs:variation>
+</cs:colorStyle>
+</file>
+
+<file path=ppt/charts/style1.xml><?xml version="1.0" encoding="utf-8"?>
+<cs:chartStyle xmlns:cs="http://schemas.microsoft.com/office/drawing/2012/chartStyle" xmlns:a="http://schemas.openxmlformats.org/drawingml/2006/main" id="201">
+  <cs:axisTitle>
+    <cs:lnRef idx="0"/>
+    <cs:fillRef idx="0"/>
+    <cs:effectRef idx="0"/>
+    <cs:fontRef idx="minor">
+      <a:schemeClr val="tx1">
+        <a:lumMod val="65000"/>
+        <a:lumOff val="35000"/>
+      </a:schemeClr>
+    </cs:fontRef>
+    <cs:defRPr sz="1000" kern="1200"/>
+  </cs:axisTitle>
+  <cs:categoryAxis>
+    <cs:lnRef idx="0"/>
+    <cs:fillRef idx="0"/>
+    <cs:effectRef idx="0"/>
+    <cs:fontRef idx="minor">
+      <a:schemeClr val="tx1">
+        <a:lumMod val="65000"/>
+        <a:lumOff val="35000"/>
+      </a:schemeClr>
+    </cs:fontRef>
+    <cs:spPr>
+      <a:ln w="9525" cap="flat" cmpd="sng" algn="ctr">
+        <a:solidFill>
+          <a:schemeClr val="tx1">
+            <a:lumMod val="15000"/>
+            <a:lumOff val="85000"/>
+          </a:schemeClr>
+        </a:solidFill>
+        <a:round/>
+      </a:ln>
+    </cs:spPr>
+    <cs:defRPr sz="900" kern="1200"/>
+  </cs:categoryAxis>
+  <cs:chartArea mods="allowNoFillOverride allowNoLineOverride">
+    <cs:lnRef idx="0"/>
+    <cs:fillRef idx="0"/>
+    <cs:effectRef idx="0"/>
+    <cs:fontRef idx="minor">
+      <a:schemeClr val="tx1"/>
+    </cs:fontRef>
+    <cs:spPr>
+      <a:solidFill>
+        <a:schemeClr val="bg1"/>
+      </a:solidFill>
+      <a:ln w="9525" cap="flat" cmpd="sng" algn="ctr">
+        <a:solidFill>
+          <a:schemeClr val="tx1">
+            <a:lumMod val="15000"/>
+            <a:lumOff val="85000"/>
+          </a:schemeClr>
+        </a:solidFill>
+        <a:round/>
+      </a:ln>
+    </cs:spPr>
+    <cs:defRPr sz="1000" kern="1200"/>
+  </cs:chartArea>
+  <cs:dataLabel>
+    <cs:lnRef idx="0"/>
+    <cs:fillRef idx="0"/>
+    <cs:effectRef idx="0"/>
+    <cs:fontRef idx="minor">
+      <a:schemeClr val="tx1">
+        <a:lumMod val="75000"/>
+        <a:lumOff val="25000"/>
+      </a:schemeClr>
+    </cs:fontRef>
+    <cs:defRPr sz="900" kern="1200"/>
+  </cs:dataLabel>
+  <cs:dataLabelCallout>
+    <cs:lnRef idx="0"/>
+    <cs:fillRef idx="0"/>
+    <cs:effectRef idx="0"/>
+    <cs:fontRef idx="minor">
+      <a:schemeClr val="dk1">
+        <a:lumMod val="65000"/>
+        <a:lumOff val="35000"/>
+      </a:schemeClr>
+    </cs:fontRef>
+    <cs:spPr>
+      <a:solidFill>
+        <a:schemeClr val="lt1"/>
+      </a:solidFill>
+      <a:ln>
+        <a:solidFill>
+          <a:schemeClr val="dk1">
+            <a:lumMod val="25000"/>
+            <a:lumOff val="75000"/>
+          </a:schemeClr>
+        </a:solidFill>
+      </a:ln>
+    </cs:spPr>
+    <cs:defRPr sz="900" kern="1200"/>
+    <cs:bodyPr rot="0" spcFirstLastPara="1" vertOverflow="clip" horzOverflow="clip" vert="horz" wrap="square" lIns="36576" tIns="18288" rIns="36576" bIns="18288" anchor="ctr" anchorCtr="1">
+      <a:spAutoFit/>
+    </cs:bodyPr>
+  </cs:dataLabelCallout>
+  <cs:dataPoint>
+    <cs:lnRef idx="0"/>
+    <cs:fillRef idx="1">
+      <cs:styleClr val="auto"/>
+    </cs:fillRef>
+    <cs:effectRef idx="0"/>
+    <cs:fontRef idx="minor">
+      <a:schemeClr val="tx1"/>
+    </cs:fontRef>
+  </cs:dataPoint>
+  <cs:dataPoint3D>
+    <cs:lnRef idx="0"/>
+    <cs:fillRef idx="1">
+      <cs:styleClr val="auto"/>
+    </cs:fillRef>
+    <cs:effectRef idx="0"/>
+    <cs:fontRef idx="minor">
+      <a:schemeClr val="tx1"/>
+    </cs:fontRef>
+  </cs:dataPoint3D>
+  <cs:dataPointLine>
+    <cs:lnRef idx="0">
+      <cs:styleClr val="auto"/>
+    </cs:lnRef>
+    <cs:fillRef idx="1"/>
+    <cs:effectRef idx="0"/>
+    <cs:fontRef idx="minor">
+      <a:schemeClr val="tx1"/>
+    </cs:fontRef>
+    <cs:spPr>
+      <a:ln w="28575" cap="rnd">
+        <a:solidFill>
+          <a:schemeClr val="phClr"/>
+        </a:solidFill>
+        <a:round/>
+      </a:ln>
+    </cs:spPr>
+  </cs:dataPointLine>
+  <cs:dataPointMarker>
+    <cs:lnRef idx="0">
+      <cs:styleClr val="auto"/>
+    </cs:lnRef>
+    <cs:fillRef idx="1">
+      <cs:styleClr val="auto"/>
+    </cs:fillRef>
+    <cs:effectRef idx="0"/>
+    <cs:fontRef idx="minor">
+      <a:schemeClr val="tx1"/>
+    </cs:fontRef>
+    <cs:spPr>
+      <a:ln w="9525">
+        <a:solidFill>
+          <a:schemeClr val="phClr"/>
+        </a:solidFill>
+      </a:ln>
+    </cs:spPr>
+  </cs:dataPointMarker>
+  <cs:dataPointMarkerLayout symbol="circle" size="5"/>
+  <cs:dataPointWireframe>
+    <cs:lnRef idx="0">
+      <cs:styleClr val="auto"/>
+    </cs:lnRef>
+    <cs:fillRef idx="1"/>
+    <cs:effectRef idx="0"/>
+    <cs:fontRef idx="minor">
+      <a:schemeClr val="tx1"/>
+    </cs:fontRef>
+    <cs:spPr>
+      <a:ln w="9525" cap="rnd">
+        <a:solidFill>
+          <a:schemeClr val="phClr"/>
+        </a:solidFill>
+        <a:round/>
+      </a:ln>
+    </cs:spPr>
+  </cs:dataPointWireframe>
+  <cs:dataTable>
+    <cs:lnRef idx="0"/>
+    <cs:fillRef idx="0"/>
+    <cs:effectRef idx="0"/>
+    <cs:fontRef idx="minor">
+      <a:schemeClr val="tx1">
+        <a:lumMod val="65000"/>
+        <a:lumOff val="35000"/>
+      </a:schemeClr>
+    </cs:fontRef>
+    <cs:spPr>
+      <a:noFill/>
+      <a:ln w="9525" cap="flat" cmpd="sng" algn="ctr">
+        <a:solidFill>
+          <a:schemeClr val="tx1">
+            <a:lumMod val="15000"/>
+            <a:lumOff val="85000"/>
+          </a:schemeClr>
+        </a:solidFill>
+        <a:round/>
+      </a:ln>
+    </cs:spPr>
+    <cs:defRPr sz="900" kern="1200"/>
+  </cs:dataTable>
+  <cs:downBar>
+    <cs:lnRef idx="0"/>
+    <cs:fillRef idx="0"/>
+    <cs:effectRef idx="0"/>
+    <cs:fontRef idx="minor">
+      <a:schemeClr val="dk1"/>
+    </cs:fontRef>
+    <cs:spPr>
+      <a:solidFill>
+        <a:schemeClr val="dk1">
+          <a:lumMod val="65000"/>
+          <a:lumOff val="35000"/>
+        </a:schemeClr>
+      </a:solidFill>
+      <a:ln w="9525">
+        <a:solidFill>
+          <a:schemeClr val="tx1">
+            <a:lumMod val="65000"/>
+            <a:lumOff val="35000"/>
+          </a:schemeClr>
+        </a:solidFill>
+      </a:ln>
+    </cs:spPr>
+  </cs:downBar>
+  <cs:dropLine>
+    <cs:lnRef idx="0"/>
+    <cs:fillRef idx="0"/>
+    <cs:effectRef idx="0"/>
+    <cs:fontRef idx="minor">
+      <a:schemeClr val="tx1"/>
+    </cs:fontRef>
+    <cs:spPr>
+      <a:ln w="9525" cap="flat" cmpd="sng" algn="ctr">
+        <a:solidFill>
+          <a:schemeClr val="tx1">
+            <a:lumMod val="35000"/>
+            <a:lumOff val="65000"/>
+          </a:schemeClr>
+        </a:solidFill>
+        <a:round/>
+      </a:ln>
+    </cs:spPr>
+  </cs:dropLine>
+  <cs:errorBar>
+    <cs:lnRef idx="0"/>
+    <cs:fillRef idx="0"/>
+    <cs:effectRef idx="0"/>
+    <cs:fontRef idx="minor">
+      <a:schemeClr val="tx1"/>
+    </cs:fontRef>
+    <cs:spPr>
+      <a:ln w="9525" cap="flat" cmpd="sng" algn="ctr">
+        <a:solidFill>
+          <a:schemeClr val="tx1">
+            <a:lumMod val="65000"/>
+            <a:lumOff val="35000"/>
+          </a:schemeClr>
+        </a:solidFill>
+        <a:round/>
+      </a:ln>
+    </cs:spPr>
+  </cs:errorBar>
+  <cs:floor>
+    <cs:lnRef idx="0"/>
+    <cs:fillRef idx="0"/>
+    <cs:effectRef idx="0"/>
+    <cs:fontRef idx="minor">
+      <a:schemeClr val="tx1"/>
+    </cs:fontRef>
+    <cs:spPr>
+      <a:noFill/>
+      <a:ln>
+        <a:noFill/>
+      </a:ln>
+    </cs:spPr>
+  </cs:floor>
+  <cs:gridlineMajor>
+    <cs:lnRef idx="0"/>
+    <cs:fillRef idx="0"/>
+    <cs:effectRef idx="0"/>
+    <cs:fontRef idx="minor">
+      <a:schemeClr val="tx1"/>
+    </cs:fontRef>
+    <cs:spPr>
+      <a:ln w="9525" cap="flat" cmpd="sng" algn="ctr">
+        <a:solidFill>
+          <a:schemeClr val="tx1">
+            <a:lumMod val="15000"/>
+            <a:lumOff val="85000"/>
+          </a:schemeClr>
+        </a:solidFill>
+        <a:round/>
+      </a:ln>
+    </cs:spPr>
+  </cs:gridlineMajor>
+  <cs:gridlineMinor>
+    <cs:lnRef idx="0"/>
+    <cs:fillRef idx="0"/>
+    <cs:effectRef idx="0"/>
+    <cs:fontRef idx="minor">
+      <a:schemeClr val="tx1"/>
+    </cs:fontRef>
+    <cs:spPr>
+      <a:ln w="9525" cap="flat" cmpd="sng" algn="ctr">
+        <a:solidFill>
+          <a:schemeClr val="tx1">
+            <a:lumMod val="5000"/>
+            <a:lumOff val="95000"/>
+          </a:schemeClr>
+        </a:solidFill>
+        <a:round/>
+      </a:ln>
+    </cs:spPr>
+  </cs:gridlineMinor>
+  <cs:hiLoLine>
+    <cs:lnRef idx="0"/>
+    <cs:fillRef idx="0"/>
+    <cs:effectRef idx="0"/>
+    <cs:fontRef idx="minor">
+      <a:schemeClr val="tx1"/>
+    </cs:fontRef>
+    <cs:spPr>
+      <a:ln w="9525" cap="flat" cmpd="sng" algn="ctr">
+        <a:solidFill>
+          <a:schemeClr val="tx1">
+            <a:lumMod val="75000"/>
+            <a:lumOff val="25000"/>
+          </a:schemeClr>
+        </a:solidFill>
+        <a:round/>
+      </a:ln>
+    </cs:spPr>
+  </cs:hiLoLine>
+  <cs:leaderLine>
+    <cs:lnRef idx="0"/>
+    <cs:fillRef idx="0"/>
+    <cs:effectRef idx="0"/>
+    <cs:fontRef idx="minor">
+      <a:schemeClr val="tx1"/>
+    </cs:fontRef>
+    <cs:spPr>
+      <a:ln w="9525" cap="flat" cmpd="sng" algn="ctr">
+        <a:solidFill>
+          <a:schemeClr val="tx1">
+            <a:lumMod val="35000"/>
+            <a:lumOff val="65000"/>
+          </a:schemeClr>
+        </a:solidFill>
+        <a:round/>
+      </a:ln>
+    </cs:spPr>
+  </cs:leaderLine>
+  <cs:legend>
+    <cs:lnRef idx="0"/>
+    <cs:fillRef idx="0"/>
+    <cs:effectRef idx="0"/>
+    <cs:fontRef idx="minor">
+      <a:schemeClr val="tx1">
+        <a:lumMod val="65000"/>
+        <a:lumOff val="35000"/>
+      </a:schemeClr>
+    </cs:fontRef>
+    <cs:defRPr sz="900" kern="1200"/>
+  </cs:legend>
+  <cs:plotArea mods="allowNoFillOverride allowNoLineOverride">
+    <cs:lnRef idx="0"/>
+    <cs:fillRef idx="0"/>
+    <cs:effectRef idx="0"/>
+    <cs:fontRef idx="minor">
+      <a:schemeClr val="tx1"/>
+    </cs:fontRef>
+  </cs:plotArea>
+  <cs:plotArea3D mods="allowNoFillOverride allowNoLineOverride">
+    <cs:lnRef idx="0"/>
+    <cs:fillRef idx="0"/>
+    <cs:effectRef idx="0"/>
+    <cs:fontRef idx="minor">
+      <a:schemeClr val="tx1"/>
+    </cs:fontRef>
+  </cs:plotArea3D>
+  <cs:seriesAxis>
+    <cs:lnRef idx="0"/>
+    <cs:fillRef idx="0"/>
+    <cs:effectRef idx="0"/>
+    <cs:fontRef idx="minor">
+      <a:schemeClr val="tx1">
+        <a:lumMod val="65000"/>
+        <a:lumOff val="35000"/>
+      </a:schemeClr>
+    </cs:fontRef>
+    <cs:defRPr sz="900" kern="1200"/>
+  </cs:seriesAxis>
+  <cs:seriesLine>
+    <cs:lnRef idx="0"/>
+    <cs:fillRef idx="0"/>
+    <cs:effectRef idx="0"/>
+    <cs:fontRef idx="minor">
+      <a:schemeClr val="tx1"/>
+    </cs:fontRef>
+    <cs:spPr>
+      <a:ln w="9525" cap="flat" cmpd="sng" algn="ctr">
+        <a:solidFill>
+          <a:schemeClr val="tx1">
+            <a:lumMod val="35000"/>
+            <a:lumOff val="65000"/>
+          </a:schemeClr>
+        </a:solidFill>
+        <a:round/>
+      </a:ln>
+    </cs:spPr>
+  </cs:seriesLine>
+  <cs:title>
+    <cs:lnRef idx="0"/>
+    <cs:fillRef idx="0"/>
+    <cs:effectRef idx="0"/>
+    <cs:fontRef idx="minor">
+      <a:schemeClr val="tx1">
+        <a:lumMod val="65000"/>
+        <a:lumOff val="35000"/>
+      </a:schemeClr>
+    </cs:fontRef>
+    <cs:defRPr sz="1400" b="0" kern="1200" spc="0" baseline="0"/>
+  </cs:title>
+  <cs:trendline>
+    <cs:lnRef idx="0">
+      <cs:styleClr val="auto"/>
+    </cs:lnRef>
+    <cs:fillRef idx="0"/>
+    <cs:effectRef idx="0"/>
+    <cs:fontRef idx="minor">
+      <a:schemeClr val="tx1"/>
+    </cs:fontRef>
+    <cs:spPr>
+      <a:ln w="19050" cap="rnd">
+        <a:solidFill>
+          <a:schemeClr val="phClr"/>
+        </a:solidFill>
+        <a:prstDash val="sysDot"/>
+      </a:ln>
+    </cs:spPr>
+  </cs:trendline>
+  <cs:trendlineLabel>
+    <cs:lnRef idx="0"/>
+    <cs:fillRef idx="0"/>
+    <cs:effectRef idx="0"/>
+    <cs:fontRef idx="minor">
+      <a:schemeClr val="tx1">
+        <a:lumMod val="65000"/>
+        <a:lumOff val="35000"/>
+      </a:schemeClr>
+    </cs:fontRef>
+    <cs:defRPr sz="900" kern="1200"/>
+  </cs:trendlineLabel>
+  <cs:upBar>
+    <cs:lnRef idx="0"/>
+    <cs:fillRef idx="0"/>
+    <cs:effectRef idx="0"/>
+    <cs:fontRef idx="minor">
+      <a:schemeClr val="dk1"/>
+    </cs:fontRef>
+    <cs:spPr>
+      <a:solidFill>
+        <a:schemeClr val="lt1"/>
+      </a:solidFill>
+      <a:ln w="9525">
+        <a:solidFill>
+          <a:schemeClr val="tx1">
+            <a:lumMod val="15000"/>
+            <a:lumOff val="85000"/>
+          </a:schemeClr>
+        </a:solidFill>
+      </a:ln>
+    </cs:spPr>
+  </cs:upBar>
+  <cs:valueAxis>
+    <cs:lnRef idx="0"/>
+    <cs:fillRef idx="0"/>
+    <cs:effectRef idx="0"/>
+    <cs:fontRef idx="minor">
+      <a:schemeClr val="tx1">
+        <a:lumMod val="65000"/>
+        <a:lumOff val="35000"/>
+      </a:schemeClr>
+    </cs:fontRef>
+    <cs:defRPr sz="900" kern="1200"/>
+  </cs:valueAxis>
+  <cs:wall>
+    <cs:lnRef idx="0"/>
+    <cs:fillRef idx="0"/>
+    <cs:effectRef idx="0"/>
+    <cs:fontRef idx="minor">
+      <a:schemeClr val="tx1"/>
+    </cs:fontRef>
+    <cs:spPr>
+      <a:noFill/>
+      <a:ln>
+        <a:noFill/>
+      </a:ln>
+    </cs:spPr>
+  </cs:wall>
+</cs:chartStyle>
 </file>
 
 <file path=ppt/notesMasters/notesMaster1.xml><?xml version="1.0" encoding="utf-8"?>
@@ -199,7 +1189,7 @@
           <a:p>
             <a:fld id="{453A466A-49B9-4C9D-B56A-65F484DAD8E0}" type="datetimeFigureOut">
               <a:rPr lang="en-GB" smtClean="0"/>
-              <a:t>24/04/2016</a:t>
+              <a:t>28/04/2016</a:t>
             </a:fld>
             <a:endParaRPr lang="en-GB"/>
           </a:p>
@@ -513,8 +1503,31 @@
           <a:p>
             <a:r>
               <a:rPr lang="en-GB" dirty="0" smtClean="0"/>
-              <a:t>PPP – example of simple PPP on the right</a:t>
+              <a:t>PPP – example of simple PPP on the </a:t>
             </a:r>
+            <a:r>
+              <a:rPr lang="en-GB" dirty="0" smtClean="0"/>
+              <a:t>right</a:t>
+            </a:r>
+          </a:p>
+          <a:p>
+            <a:endParaRPr lang="en-GB" dirty="0" smtClean="0"/>
+          </a:p>
+          <a:p>
+            <a:r>
+              <a:rPr lang="en-GB" dirty="0" smtClean="0"/>
+              <a:t>What is a Path Planning Problem?</a:t>
+            </a:r>
+          </a:p>
+          <a:p>
+            <a:r>
+              <a:rPr lang="en-GB" baseline="0" dirty="0" smtClean="0"/>
+              <a:t>  example of a simple PPP on right</a:t>
+            </a:r>
+            <a:endParaRPr lang="en-GB" dirty="0" smtClean="0"/>
+          </a:p>
+          <a:p>
+            <a:endParaRPr lang="en-GB" dirty="0" smtClean="0"/>
           </a:p>
           <a:p>
             <a:r>
@@ -523,24 +1536,50 @@
             </a:r>
             <a:r>
               <a:rPr lang="en-GB" baseline="0" dirty="0" smtClean="0"/>
-              <a:t> of an environment</a:t>
-            </a:r>
-          </a:p>
-          <a:p>
-            <a:r>
-              <a:rPr lang="en-GB" dirty="0" smtClean="0"/>
-              <a:t>E.g. Dimensions, Size, location</a:t>
+              <a:t> of an </a:t>
             </a:r>
             <a:r>
               <a:rPr lang="en-GB" baseline="0" dirty="0" smtClean="0"/>
-              <a:t> on obstacles, terrain types, a start position and a goal (or multiple goals)</a:t>
+              <a:t>environment</a:t>
             </a:r>
           </a:p>
           <a:p>
             <a:r>
               <a:rPr lang="en-GB" baseline="0" dirty="0" smtClean="0"/>
-              <a:t>Rules for movement, e.g. forbid diagonal moves in a grid PPP</a:t>
+              <a:t>E.g. dimensions, location of obstacles, start/goal </a:t>
             </a:r>
+            <a:r>
+              <a:rPr lang="en-GB" baseline="0" dirty="0" err="1" smtClean="0"/>
+              <a:t>pos</a:t>
+            </a:r>
+            <a:endParaRPr lang="en-GB" baseline="0" dirty="0" smtClean="0"/>
+          </a:p>
+          <a:p>
+            <a:endParaRPr lang="en-GB" baseline="0" dirty="0" smtClean="0"/>
+          </a:p>
+          <a:p>
+            <a:r>
+              <a:rPr lang="en-GB" baseline="0" dirty="0" smtClean="0"/>
+              <a:t>Maybe more complex with terrain, elevation, multiple goals..</a:t>
+            </a:r>
+            <a:endParaRPr lang="en-GB" baseline="0" dirty="0" smtClean="0"/>
+          </a:p>
+          <a:p>
+            <a:r>
+              <a:rPr lang="en-GB" baseline="0" dirty="0" smtClean="0"/>
+              <a:t>Rules </a:t>
+            </a:r>
+            <a:r>
+              <a:rPr lang="en-GB" baseline="0" dirty="0" smtClean="0"/>
+              <a:t>for movement, e.g. forbid diagonal moves in a grid </a:t>
+            </a:r>
+            <a:r>
+              <a:rPr lang="en-GB" baseline="0" dirty="0" smtClean="0"/>
+              <a:t>PPP</a:t>
+            </a:r>
+          </a:p>
+          <a:p>
+            <a:endParaRPr lang="en-GB" baseline="0" dirty="0" smtClean="0"/>
           </a:p>
           <a:p>
             <a:r>
@@ -554,14 +1593,29 @@
           <a:p>
             <a:r>
               <a:rPr lang="en-GB" baseline="0" dirty="0" smtClean="0"/>
-              <a:t>More specialised PPPs might also make specifications about the robot:</a:t>
+              <a:t>PPPs </a:t>
             </a:r>
-          </a:p>
-          <a:p>
             <a:r>
               <a:rPr lang="en-GB" baseline="0" dirty="0" smtClean="0"/>
-              <a:t>Sensor configuration, locomotion, etc.</a:t>
+              <a:t>might also make specifications about the robot:</a:t>
             </a:r>
+          </a:p>
+          <a:p>
+            <a:r>
+              <a:rPr lang="en-GB" baseline="0" dirty="0" smtClean="0"/>
+              <a:t>Sensor configuration, locomotion, etc</a:t>
+            </a:r>
+            <a:r>
+              <a:rPr lang="en-GB" baseline="0" dirty="0" smtClean="0"/>
+              <a:t>.</a:t>
+            </a:r>
+          </a:p>
+          <a:p>
+            <a:r>
+              <a:rPr lang="en-GB" baseline="0" dirty="0" smtClean="0"/>
+              <a:t>But this makes them less generically applicable</a:t>
+            </a:r>
+            <a:endParaRPr lang="en-GB" baseline="0" dirty="0" smtClean="0"/>
           </a:p>
           <a:p>
             <a:endParaRPr lang="en-GB" baseline="0" dirty="0" smtClean="0"/>
@@ -575,13 +1629,31 @@
           <a:p>
             <a:r>
               <a:rPr lang="en-GB" baseline="0" dirty="0" smtClean="0"/>
-              <a:t>Ideally an optimal path, but often we’ll settle for a “good enough” path depending on the application</a:t>
+              <a:t>Ideally an optimal path, but often we’ll settle for a “good enough” path depending on the </a:t>
             </a:r>
-          </a:p>
-          <a:p>
             <a:r>
               <a:rPr lang="en-GB" baseline="0" dirty="0" smtClean="0"/>
-              <a:t>Then successfully execute the plan</a:t>
+              <a:t>application</a:t>
+            </a:r>
+          </a:p>
+          <a:p>
+            <a:endParaRPr lang="en-GB" baseline="0" dirty="0" smtClean="0"/>
+          </a:p>
+          <a:p>
+            <a:r>
+              <a:rPr lang="en-GB" baseline="0" dirty="0" smtClean="0"/>
+              <a:t>Second part of problem:</a:t>
+            </a:r>
+            <a:endParaRPr lang="en-GB" baseline="0" dirty="0" smtClean="0"/>
+          </a:p>
+          <a:p>
+            <a:r>
+              <a:rPr lang="en-GB" baseline="0" dirty="0" smtClean="0"/>
+              <a:t>successfully </a:t>
+            </a:r>
+            <a:r>
+              <a:rPr lang="en-GB" baseline="0" dirty="0" smtClean="0"/>
+              <a:t>execute the plan</a:t>
             </a:r>
           </a:p>
           <a:p>
@@ -734,19 +1806,11 @@
           <a:p>
             <a:r>
               <a:rPr lang="en-GB" baseline="0" dirty="0" smtClean="0"/>
-              <a:t>Formal testing –  safety bodies must be satisfied of that the robot is not a danger to others on the roads. Safety standards are strict</a:t>
+              <a:t>Formal testing –  safety bodies must be satisfied of that the robot is not a danger to others on the roads. </a:t>
             </a:r>
-          </a:p>
-          <a:p>
             <a:r>
               <a:rPr lang="en-GB" baseline="0" dirty="0" smtClean="0"/>
-              <a:t>Diverse testing – A wide range of tests will need to be carried out in order to satisfy a safety body that the car can behave appropriately in any situation it might encounter on the road.</a:t>
-            </a:r>
-          </a:p>
-          <a:p>
-            <a:r>
-              <a:rPr lang="en-GB" baseline="0" dirty="0" smtClean="0"/>
-              <a:t>But the range of every situation is practically infinite – so we must test a diverse subset</a:t>
+              <a:t>PPP others method of formally describing tests carried out</a:t>
             </a:r>
           </a:p>
           <a:p>
@@ -842,13 +1906,11 @@
           <a:p>
             <a:r>
               <a:rPr lang="en-GB" dirty="0" smtClean="0"/>
-              <a:t>Previous slide mentioned diverse testing</a:t>
+              <a:t>Consider</a:t>
             </a:r>
-          </a:p>
-          <a:p>
             <a:r>
               <a:rPr lang="en-GB" dirty="0" smtClean="0"/>
-              <a:t>Consider, for example, the number of different situations encountered</a:t>
+              <a:t>, for example, the number of different situations encountered</a:t>
             </a:r>
             <a:r>
               <a:rPr lang="en-GB" baseline="0" dirty="0" smtClean="0"/>
@@ -865,8 +1927,8 @@
               <a:t> PPPs for these situations would be costly and time consuming, and wouldn’t cover situations we didn’t </a:t>
             </a:r>
             <a:r>
-              <a:rPr lang="en-GB" baseline="0" dirty="0" err="1" smtClean="0"/>
-              <a:t>forsee</a:t>
+              <a:rPr lang="en-GB" baseline="0" dirty="0" smtClean="0"/>
+              <a:t>foresee</a:t>
             </a:r>
             <a:endParaRPr lang="en-GB" baseline="0" dirty="0" smtClean="0"/>
           </a:p>
@@ -1035,36 +2097,141 @@
           <a:lstStyle/>
           <a:p>
             <a:r>
-              <a:rPr lang="en-GB" dirty="0" smtClean="0"/>
-              <a:t>To</a:t>
+              <a:rPr lang="en-GB" baseline="0" dirty="0" smtClean="0"/>
+              <a:t>This </a:t>
             </a:r>
             <a:r>
               <a:rPr lang="en-GB" baseline="0" dirty="0" smtClean="0"/>
-              <a:t> illustrate how diversity if described in the existing work</a:t>
+              <a:t>project introduces a new fitness function to </a:t>
             </a:r>
-          </a:p>
-          <a:p>
-            <a:endParaRPr lang="en-GB" baseline="0" dirty="0" smtClean="0"/>
-          </a:p>
-          <a:p>
             <a:r>
               <a:rPr lang="en-GB" baseline="0" dirty="0" smtClean="0"/>
-              <a:t>Similar PPPs are grouped together, then groups are linked, groups of groups.. </a:t>
+              <a:t>Wei’s generator</a:t>
+            </a:r>
+            <a:r>
+              <a:rPr lang="en-GB" baseline="0" dirty="0" smtClean="0"/>
+              <a:t>, evaluating and selects for ‘difficulty’ in the </a:t>
+            </a:r>
+            <a:r>
+              <a:rPr lang="en-GB" baseline="0" dirty="0" smtClean="0"/>
+              <a:t>PPPs</a:t>
+            </a:r>
+          </a:p>
+          <a:p>
+            <a:r>
+              <a:rPr lang="en-GB" baseline="0" dirty="0" smtClean="0"/>
+              <a:t>Fitness function should improve fault finding, </a:t>
             </a:r>
             <a:r>
               <a:rPr lang="en-GB" baseline="0" dirty="0" err="1" smtClean="0"/>
-              <a:t>Etc</a:t>
+              <a:t>ie</a:t>
             </a:r>
             <a:r>
               <a:rPr lang="en-GB" baseline="0" dirty="0" smtClean="0"/>
-              <a:t>, until all groups are linked</a:t>
+              <a:t>. Produce PPPs which manifest faults in agents tested on them</a:t>
             </a:r>
+            <a:endParaRPr lang="en-GB" baseline="0" dirty="0" smtClean="0"/>
+          </a:p>
+          <a:p>
+            <a:endParaRPr lang="en-GB" baseline="0" dirty="0" smtClean="0"/>
+          </a:p>
+          <a:p>
+            <a:endParaRPr lang="en-GB" baseline="0" dirty="0" smtClean="0"/>
           </a:p>
           <a:p>
             <a:r>
               <a:rPr lang="en-GB" baseline="0" dirty="0" smtClean="0"/>
-              <a:t>Diversity is achieved by selecting individual PPPs from many distinct groups</a:t>
+              <a:t>Difficulty is abstract – there’s a lot of literature on factors for testing autonomous robots</a:t>
             </a:r>
+          </a:p>
+          <a:p>
+            <a:r>
+              <a:rPr lang="en-GB" baseline="0" dirty="0" smtClean="0"/>
+              <a:t>Inspiration can also be drawn from various tournaments and competitions e.g. </a:t>
+            </a:r>
+            <a:r>
+              <a:rPr lang="en-GB" baseline="0" dirty="0" err="1" smtClean="0"/>
+              <a:t>RoboCup</a:t>
+            </a:r>
+            <a:r>
+              <a:rPr lang="en-GB" baseline="0" dirty="0" smtClean="0"/>
+              <a:t>, DARPA challenges</a:t>
+            </a:r>
+          </a:p>
+          <a:p>
+            <a:endParaRPr lang="en-GB" baseline="0" dirty="0" smtClean="0"/>
+          </a:p>
+          <a:p>
+            <a:r>
+              <a:rPr lang="en-GB" baseline="0" dirty="0" smtClean="0"/>
+              <a:t>In this project I focus on difficulty of exploration of an environment – it should however be noted that there are many other facets!</a:t>
+            </a:r>
+          </a:p>
+          <a:p>
+            <a:r>
+              <a:rPr lang="en-GB" baseline="0" dirty="0" smtClean="0"/>
+              <a:t>Idea:</a:t>
+            </a:r>
+          </a:p>
+          <a:p>
+            <a:r>
+              <a:rPr lang="en-GB" baseline="0" dirty="0" smtClean="0"/>
+              <a:t>PPPs which are hard to explore must in some way obscure and obstruct the optimal route through the PPP</a:t>
+            </a:r>
+          </a:p>
+          <a:p>
+            <a:r>
+              <a:rPr lang="en-GB" baseline="0" dirty="0" smtClean="0"/>
+              <a:t>Therefore, the optimal route should be harder to follow, and this should hopefully manifest more faults</a:t>
+            </a:r>
+          </a:p>
+          <a:p>
+            <a:r>
+              <a:rPr lang="en-GB" baseline="0" dirty="0" smtClean="0"/>
+              <a:t>I tried several approaches to measuring the difficulty of exploration, evolving the fitness function each development iteration</a:t>
+            </a:r>
+          </a:p>
+          <a:p>
+            <a:r>
+              <a:rPr lang="en-GB" baseline="0" dirty="0" smtClean="0"/>
+              <a:t>I settled on a weighted sum taking into account multiple factors which describe the PPP environment in terms of explorative difficulty</a:t>
+            </a:r>
+          </a:p>
+          <a:p>
+            <a:r>
+              <a:rPr lang="en-GB" baseline="0" dirty="0" smtClean="0"/>
+              <a:t>Use of this fitness function encourages the generator to select for PPPs which best satisfy these factors</a:t>
+            </a:r>
+          </a:p>
+          <a:p>
+            <a:endParaRPr lang="en-GB" baseline="0" dirty="0" smtClean="0"/>
+          </a:p>
+          <a:p>
+            <a:r>
+              <a:rPr lang="en-GB" baseline="0" dirty="0" smtClean="0"/>
+              <a:t>Examples:</a:t>
+            </a:r>
+          </a:p>
+          <a:p>
+            <a:r>
+              <a:rPr lang="en-GB" baseline="0" dirty="0" smtClean="0"/>
+              <a:t>Use of all of the obstacle budget</a:t>
+            </a:r>
+          </a:p>
+          <a:p>
+            <a:r>
+              <a:rPr lang="en-GB" baseline="0" dirty="0" smtClean="0"/>
+              <a:t>How ‘open’ the environment is – are there areas which are a wide plain, or is the environment claustrophobic?</a:t>
+            </a:r>
+          </a:p>
+          <a:p>
+            <a:r>
+              <a:rPr lang="en-GB" baseline="0" dirty="0" smtClean="0"/>
+              <a:t>How many squares of the PPPs are visible from various locations according to a perfect sensor – restricted visibility makes exploration harder.</a:t>
+            </a:r>
+          </a:p>
+          <a:p>
+            <a:endParaRPr lang="en-GB" baseline="0" dirty="0" smtClean="0"/>
           </a:p>
         </p:txBody>
       </p:sp>
@@ -1094,7 +2261,7 @@
     </p:spTree>
     <p:extLst>
       <p:ext uri="{BB962C8B-B14F-4D97-AF65-F5344CB8AC3E}">
-        <p14:creationId xmlns:p14="http://schemas.microsoft.com/office/powerpoint/2010/main" val="3930634891"/>
+        <p14:creationId xmlns:p14="http://schemas.microsoft.com/office/powerpoint/2010/main" val="60882078"/>
       </p:ext>
     </p:extLst>
   </p:cSld>
@@ -1149,91 +2316,66 @@
           <a:lstStyle/>
           <a:p>
             <a:r>
-              <a:rPr lang="en-GB" baseline="0" dirty="0" smtClean="0"/>
-              <a:t>In the simple case, we want to produce PPPs that manifest faults (known or unknown) in the robots we test on them</a:t>
+              <a:rPr lang="en-GB" dirty="0" smtClean="0"/>
+              <a:t>Evaluation</a:t>
             </a:r>
           </a:p>
           <a:p>
+            <a:endParaRPr lang="en-GB" dirty="0" smtClean="0"/>
+          </a:p>
+          <a:p>
             <a:r>
-              <a:rPr lang="en-GB" baseline="0" dirty="0" smtClean="0"/>
-              <a:t>This project introduces a new fitness function to the generator, evaluating and selects for ‘difficulty’ in the PPPs</a:t>
-            </a:r>
-          </a:p>
-          <a:p>
-            <a:endParaRPr lang="en-GB" baseline="0" dirty="0" smtClean="0"/>
-          </a:p>
-          <a:p>
-            <a:r>
-              <a:rPr lang="en-GB" baseline="0" dirty="0" smtClean="0"/>
-              <a:t>The goal is therefore to produce a fitness function which, via production of difficult PPPs, better manifests faults in robots tested upon them</a:t>
-            </a:r>
-          </a:p>
-          <a:p>
-            <a:endParaRPr lang="en-GB" baseline="0" dirty="0" smtClean="0"/>
-          </a:p>
-          <a:p>
-            <a:r>
-              <a:rPr lang="en-GB" baseline="0" dirty="0" smtClean="0"/>
-              <a:t>Difficulty is abstract – there’s a lot of literature on factors for testing autonomous robots</a:t>
-            </a:r>
-          </a:p>
-          <a:p>
-            <a:r>
-              <a:rPr lang="en-GB" baseline="0" dirty="0" smtClean="0"/>
-              <a:t>Inspiration can also be drawn from various tournaments and competitions e.g. </a:t>
-            </a:r>
-            <a:r>
-              <a:rPr lang="en-GB" baseline="0" dirty="0" err="1" smtClean="0"/>
-              <a:t>RoboCup</a:t>
+              <a:rPr lang="en-GB" dirty="0" smtClean="0"/>
+              <a:t>I</a:t>
             </a:r>
             <a:r>
               <a:rPr lang="en-GB" baseline="0" dirty="0" smtClean="0"/>
-              <a:t>, DARPA challenges</a:t>
+              <a:t> produced a simulator to evaluate the PPPs</a:t>
             </a:r>
-          </a:p>
-          <a:p>
-            <a:endParaRPr lang="en-GB" baseline="0" dirty="0" smtClean="0"/>
           </a:p>
           <a:p>
             <a:r>
               <a:rPr lang="en-GB" baseline="0" dirty="0" smtClean="0"/>
-              <a:t>In this project I focus on difficulty of exploration of an environment – it should however be noted that there are many other facets!</a:t>
+              <a:t>Set of agents with intentional faults in path planning</a:t>
             </a:r>
           </a:p>
           <a:p>
             <a:r>
               <a:rPr lang="en-GB" baseline="0" dirty="0" smtClean="0"/>
-              <a:t>Idea:</a:t>
+              <a:t>PPP pass rate shows how good it was at discovering faults</a:t>
             </a:r>
           </a:p>
           <a:p>
             <a:r>
               <a:rPr lang="en-GB" baseline="0" dirty="0" smtClean="0"/>
-              <a:t>PPPs which are hard to explore must in some way obscure and obstruct the optimal route through the PPP</a:t>
+              <a:t>	Low pass rate = high fault discovery</a:t>
             </a:r>
+          </a:p>
+          <a:p>
+            <a:endParaRPr lang="en-GB" baseline="0" dirty="0" smtClean="0"/>
           </a:p>
           <a:p>
             <a:r>
               <a:rPr lang="en-GB" baseline="0" dirty="0" smtClean="0"/>
-              <a:t>Therefore, the optimal route should be harder to follow, and this should hopefully manifest more faults</a:t>
+              <a:t>Method</a:t>
             </a:r>
           </a:p>
           <a:p>
             <a:r>
               <a:rPr lang="en-GB" baseline="0" dirty="0" smtClean="0"/>
-              <a:t>I tried several approaches to measuring the difficulty of exploration, evolving the fitness function each development iteration</a:t>
+              <a:t>Generated 60 PPPs by each fitness function with 10,000 mating events</a:t>
             </a:r>
           </a:p>
           <a:p>
             <a:r>
               <a:rPr lang="en-GB" baseline="0" dirty="0" smtClean="0"/>
-              <a:t>I settled on a weighted sum taking into account multiple factors which describe the PPP environment in terms of explorative difficulty</a:t>
+              <a:t>Each test agent runs on each PPP in the set 1000 times</a:t>
             </a:r>
           </a:p>
           <a:p>
             <a:r>
               <a:rPr lang="en-GB" baseline="0" dirty="0" smtClean="0"/>
-              <a:t>Use of this fitness function encourages the generator to select for PPPs which best satisfy these factors</a:t>
+              <a:t>	minimise effect of non determinism in their algorithm</a:t>
             </a:r>
           </a:p>
           <a:p>
@@ -1242,29 +2384,14 @@
           <a:p>
             <a:r>
               <a:rPr lang="en-GB" baseline="0" dirty="0" smtClean="0"/>
-              <a:t>Examples:</a:t>
+              <a:t>Diversity – existing UPGMA implementation used to produce tree graphs describing PPP set</a:t>
             </a:r>
           </a:p>
           <a:p>
             <a:r>
               <a:rPr lang="en-GB" baseline="0" dirty="0" smtClean="0"/>
-              <a:t>Use of all of the obstacle budget</a:t>
+              <a:t>This was investigated by comparison to see if PPPs with similar layouts were more correctly grouped together</a:t>
             </a:r>
-          </a:p>
-          <a:p>
-            <a:r>
-              <a:rPr lang="en-GB" baseline="0" dirty="0" smtClean="0"/>
-              <a:t>How ‘open’ the environment is – are there areas which are a wide plain, or is the environment claustrophobic?</a:t>
-            </a:r>
-          </a:p>
-          <a:p>
-            <a:r>
-              <a:rPr lang="en-GB" baseline="0" dirty="0" smtClean="0"/>
-              <a:t>How many squares of the PPPs are visible from various locations according to a perfect sensor – restricted visibility makes exploration harder.</a:t>
-            </a:r>
-          </a:p>
-          <a:p>
-            <a:endParaRPr lang="en-GB" baseline="0" dirty="0" smtClean="0"/>
           </a:p>
         </p:txBody>
       </p:sp>
@@ -1294,7 +2421,7 @@
     </p:spTree>
     <p:extLst>
       <p:ext uri="{BB962C8B-B14F-4D97-AF65-F5344CB8AC3E}">
-        <p14:creationId xmlns:p14="http://schemas.microsoft.com/office/powerpoint/2010/main" val="60882078"/>
+        <p14:creationId xmlns:p14="http://schemas.microsoft.com/office/powerpoint/2010/main" val="1548386844"/>
       </p:ext>
     </p:extLst>
   </p:cSld>
@@ -1363,25 +2490,20 @@
             </a:r>
             <a:r>
               <a:rPr lang="en-GB" baseline="0" dirty="0" smtClean="0"/>
-              <a:t> PPPs for difficulty did not improve the ability to manifest test agent faults. This was confirmed by comparison between 8 test agents, over 60 PPPs generated by the existing fitness function against 60 generated by my own.</a:t>
+              <a:t> PPPs for difficulty did not improve the ability to manifest test agent faults. </a:t>
             </a:r>
-          </a:p>
-          <a:p>
             <a:endParaRPr lang="en-GB" baseline="0" dirty="0" smtClean="0"/>
           </a:p>
           <a:p>
             <a:r>
               <a:rPr lang="en-GB" baseline="0" dirty="0" smtClean="0"/>
-              <a:t>It is plausible that the simplicity of the PPPs generated – 2d grids, restricted number and type of obstacles – does not reward a more complex solution</a:t>
+              <a:t>Avg. pass rate over ‘difficult’ PPPs higher than Wei PPPs as shown on graph</a:t>
             </a:r>
-          </a:p>
-          <a:p>
-            <a:endParaRPr lang="en-GB" baseline="0" dirty="0" smtClean="0"/>
           </a:p>
           <a:p>
             <a:r>
               <a:rPr lang="en-GB" baseline="0" dirty="0" smtClean="0"/>
-              <a:t>Diversity</a:t>
+              <a:t>The faults of 3 agents were found significantly less often</a:t>
             </a:r>
           </a:p>
           <a:p>
@@ -1390,29 +2512,13 @@
           <a:p>
             <a:r>
               <a:rPr lang="en-GB" baseline="0" dirty="0" smtClean="0"/>
-              <a:t>As discussed on the previous slide, the evaluation of difficulty produced many descriptions of the PPP environment</a:t>
+              <a:t>It is plausible that the simplicity of the PPPs generated – 2d grids, restricted number and type of obstacles – does not reward a more complex </a:t>
             </a:r>
-          </a:p>
-          <a:p>
             <a:r>
               <a:rPr lang="en-GB" baseline="0" dirty="0" smtClean="0"/>
-              <a:t>These were incorporated into the taxonomic character set. Over a single set of 60 PPPs, I produced trees for the old set and the extended set.</a:t>
+              <a:t>solution</a:t>
             </a:r>
-          </a:p>
-          <a:p>
-            <a:r>
-              <a:rPr lang="en-GB" baseline="0" dirty="0" smtClean="0"/>
-              <a:t>By comparison between the two, the new set was better at classifying PPPs with similar layouts in the environment</a:t>
-            </a:r>
-          </a:p>
-          <a:p>
             <a:endParaRPr lang="en-GB" baseline="0" dirty="0" smtClean="0"/>
-          </a:p>
-          <a:p>
-            <a:endParaRPr lang="en-GB" baseline="0" dirty="0" smtClean="0"/>
-          </a:p>
-          <a:p>
-            <a:endParaRPr lang="en-GB" dirty="0"/>
           </a:p>
         </p:txBody>
       </p:sp>
@@ -1443,6 +2549,126 @@
     <p:extLst>
       <p:ext uri="{BB962C8B-B14F-4D97-AF65-F5344CB8AC3E}">
         <p14:creationId xmlns:p14="http://schemas.microsoft.com/office/powerpoint/2010/main" val="2024379279"/>
+      </p:ext>
+    </p:extLst>
+  </p:cSld>
+  <p:clrMapOvr>
+    <a:masterClrMapping/>
+  </p:clrMapOvr>
+</p:notes>
+</file>
+
+<file path=ppt/notesSlides/notesSlide7.xml><?xml version="1.0" encoding="utf-8"?>
+<p:notes xmlns:a="http://schemas.openxmlformats.org/drawingml/2006/main" xmlns:r="http://schemas.openxmlformats.org/officeDocument/2006/relationships" xmlns:p="http://schemas.openxmlformats.org/presentationml/2006/main">
+  <p:cSld>
+    <p:spTree>
+      <p:nvGrpSpPr>
+        <p:cNvPr id="1" name=""/>
+        <p:cNvGrpSpPr/>
+        <p:nvPr/>
+      </p:nvGrpSpPr>
+      <p:grpSpPr>
+        <a:xfrm>
+          <a:off x="0" y="0"/>
+          <a:ext cx="0" cy="0"/>
+          <a:chOff x="0" y="0"/>
+          <a:chExt cx="0" cy="0"/>
+        </a:xfrm>
+      </p:grpSpPr>
+      <p:sp>
+        <p:nvSpPr>
+          <p:cNvPr id="2" name="Slide Image Placeholder 1"/>
+          <p:cNvSpPr>
+            <a:spLocks noGrp="1" noRot="1" noChangeAspect="1"/>
+          </p:cNvSpPr>
+          <p:nvPr>
+            <p:ph type="sldImg"/>
+          </p:nvPr>
+        </p:nvSpPr>
+        <p:spPr/>
+      </p:sp>
+      <p:sp>
+        <p:nvSpPr>
+          <p:cNvPr id="3" name="Notes Placeholder 2"/>
+          <p:cNvSpPr>
+            <a:spLocks noGrp="1"/>
+          </p:cNvSpPr>
+          <p:nvPr>
+            <p:ph type="body" idx="1"/>
+          </p:nvPr>
+        </p:nvSpPr>
+        <p:spPr/>
+        <p:txBody>
+          <a:bodyPr/>
+          <a:lstStyle/>
+          <a:p>
+            <a:r>
+              <a:rPr lang="en-GB" baseline="0" dirty="0" smtClean="0"/>
+              <a:t>Diversity</a:t>
+            </a:r>
+          </a:p>
+          <a:p>
+            <a:endParaRPr lang="en-GB" baseline="0" dirty="0" smtClean="0"/>
+          </a:p>
+          <a:p>
+            <a:r>
+              <a:rPr lang="en-GB" baseline="0" dirty="0" smtClean="0"/>
+              <a:t>As discussed on the previous slide, the evaluation of difficulty produced many descriptions of the PPP environment</a:t>
+            </a:r>
+          </a:p>
+          <a:p>
+            <a:r>
+              <a:rPr lang="en-GB" baseline="0" dirty="0" smtClean="0"/>
+              <a:t>These were incorporated into the taxonomic character set. </a:t>
+            </a:r>
+          </a:p>
+          <a:p>
+            <a:endParaRPr lang="en-GB" baseline="0" dirty="0" smtClean="0"/>
+          </a:p>
+          <a:p>
+            <a:r>
+              <a:rPr lang="en-GB" baseline="0" dirty="0" smtClean="0"/>
+              <a:t>I produced trees for the new and old character set over a single set of 60 PPPs</a:t>
+            </a:r>
+          </a:p>
+          <a:p>
+            <a:r>
+              <a:rPr lang="en-GB" baseline="0" dirty="0" smtClean="0"/>
+              <a:t>By comparison between the two, the new set was better at classifying PPPs with similar layouts in the environment</a:t>
+            </a:r>
+          </a:p>
+          <a:p>
+            <a:endParaRPr lang="en-GB" dirty="0"/>
+          </a:p>
+        </p:txBody>
+      </p:sp>
+      <p:sp>
+        <p:nvSpPr>
+          <p:cNvPr id="4" name="Slide Number Placeholder 3"/>
+          <p:cNvSpPr>
+            <a:spLocks noGrp="1"/>
+          </p:cNvSpPr>
+          <p:nvPr>
+            <p:ph type="sldNum" sz="quarter" idx="10"/>
+          </p:nvPr>
+        </p:nvSpPr>
+        <p:spPr/>
+        <p:txBody>
+          <a:bodyPr/>
+          <a:lstStyle/>
+          <a:p>
+            <a:fld id="{29B9C610-56B6-4C45-B0C1-5A2B2DBA5C2F}" type="slidenum">
+              <a:rPr lang="en-GB" smtClean="0"/>
+              <a:t>9</a:t>
+            </a:fld>
+            <a:endParaRPr lang="en-GB"/>
+          </a:p>
+        </p:txBody>
+      </p:sp>
+    </p:spTree>
+    <p:extLst>
+      <p:ext uri="{BB962C8B-B14F-4D97-AF65-F5344CB8AC3E}">
+        <p14:creationId xmlns:p14="http://schemas.microsoft.com/office/powerpoint/2010/main" val="1201917210"/>
       </p:ext>
     </p:extLst>
   </p:cSld>
@@ -10244,8 +11470,8 @@
           </a:lstStyle>
           <a:p>
             <a:fld id="{6AD6EE87-EBD5-4F12-A48A-63ACA297AC8F}" type="datetimeFigureOut">
-              <a:rPr lang="en-US" dirty="0"/>
-              <a:t>4/24/2016</a:t>
+              <a:rPr lang="en-US" smtClean="0"/>
+              <a:t>4/28/2016</a:t>
             </a:fld>
             <a:endParaRPr lang="en-US" dirty="0"/>
           </a:p>
@@ -10286,7 +11512,7 @@
           <a:lstStyle/>
           <a:p>
             <a:fld id="{4FAB73BC-B049-4115-A692-8D63A059BFB8}" type="slidenum">
-              <a:rPr lang="en-US" dirty="0"/>
+              <a:rPr lang="en-US" smtClean="0"/>
               <a:t>‹#›</a:t>
             </a:fld>
             <a:endParaRPr lang="en-US" dirty="0"/>
@@ -10331,6 +11557,11 @@
         </p:style>
       </p:cxnSp>
     </p:spTree>
+    <p:extLst>
+      <p:ext uri="{BB962C8B-B14F-4D97-AF65-F5344CB8AC3E}">
+        <p14:creationId xmlns:p14="http://schemas.microsoft.com/office/powerpoint/2010/main" val="3146376400"/>
+      </p:ext>
+    </p:extLst>
   </p:cSld>
   <p:clrMapOvr>
     <a:masterClrMapping/>
@@ -10446,8 +11677,8 @@
           <a:lstStyle/>
           <a:p>
             <a:fld id="{4CD73815-2707-4475-8F1A-B873CB631BB4}" type="datetimeFigureOut">
-              <a:rPr lang="en-US" dirty="0"/>
-              <a:t>4/24/2016</a:t>
+              <a:rPr lang="en-US" smtClean="0"/>
+              <a:t>4/28/2016</a:t>
             </a:fld>
             <a:endParaRPr lang="en-US" dirty="0"/>
           </a:p>
@@ -10488,7 +11719,7 @@
           <a:lstStyle/>
           <a:p>
             <a:fld id="{4FAB73BC-B049-4115-A692-8D63A059BFB8}" type="slidenum">
-              <a:rPr lang="en-US" dirty="0"/>
+              <a:rPr lang="en-US" smtClean="0"/>
               <a:t>‹#›</a:t>
             </a:fld>
             <a:endParaRPr lang="en-US" dirty="0"/>
@@ -10496,6 +11727,11 @@
         </p:txBody>
       </p:sp>
     </p:spTree>
+    <p:extLst>
+      <p:ext uri="{BB962C8B-B14F-4D97-AF65-F5344CB8AC3E}">
+        <p14:creationId xmlns:p14="http://schemas.microsoft.com/office/powerpoint/2010/main" val="999388816"/>
+      </p:ext>
+    </p:extLst>
   </p:cSld>
   <p:clrMapOvr>
     <a:masterClrMapping/>
@@ -10621,8 +11857,8 @@
           <a:lstStyle/>
           <a:p>
             <a:fld id="{2A4AFB99-0EAB-4182-AFF8-E214C82A68F6}" type="datetimeFigureOut">
-              <a:rPr lang="en-US" dirty="0"/>
-              <a:t>4/24/2016</a:t>
+              <a:rPr lang="en-US" smtClean="0"/>
+              <a:t>4/28/2016</a:t>
             </a:fld>
             <a:endParaRPr lang="en-US" dirty="0"/>
           </a:p>
@@ -10663,7 +11899,7 @@
           <a:lstStyle/>
           <a:p>
             <a:fld id="{4FAB73BC-B049-4115-A692-8D63A059BFB8}" type="slidenum">
-              <a:rPr lang="en-US" dirty="0"/>
+              <a:rPr lang="en-US" smtClean="0"/>
               <a:t>‹#›</a:t>
             </a:fld>
             <a:endParaRPr lang="en-US" dirty="0"/>
@@ -10706,6 +11942,11 @@
         </p:style>
       </p:cxnSp>
     </p:spTree>
+    <p:extLst>
+      <p:ext uri="{BB962C8B-B14F-4D97-AF65-F5344CB8AC3E}">
+        <p14:creationId xmlns:p14="http://schemas.microsoft.com/office/powerpoint/2010/main" val="1401970068"/>
+      </p:ext>
+    </p:extLst>
   </p:cSld>
   <p:clrMapOvr>
     <a:masterClrMapping/>
@@ -10821,8 +12062,8 @@
           <a:lstStyle/>
           <a:p>
             <a:fld id="{A5D3794B-289A-4A80-97D7-111025398D45}" type="datetimeFigureOut">
-              <a:rPr lang="en-US" dirty="0"/>
-              <a:t>4/24/2016</a:t>
+              <a:rPr lang="en-US" smtClean="0"/>
+              <a:t>4/28/2016</a:t>
             </a:fld>
             <a:endParaRPr lang="en-US" dirty="0"/>
           </a:p>
@@ -10863,7 +12104,7 @@
           <a:lstStyle/>
           <a:p>
             <a:fld id="{4FAB73BC-B049-4115-A692-8D63A059BFB8}" type="slidenum">
-              <a:rPr lang="en-US" dirty="0"/>
+              <a:rPr lang="en-US" smtClean="0"/>
               <a:t>‹#›</a:t>
             </a:fld>
             <a:endParaRPr lang="en-US" dirty="0"/>
@@ -10871,6 +12112,11 @@
         </p:txBody>
       </p:sp>
     </p:spTree>
+    <p:extLst>
+      <p:ext uri="{BB962C8B-B14F-4D97-AF65-F5344CB8AC3E}">
+        <p14:creationId xmlns:p14="http://schemas.microsoft.com/office/powerpoint/2010/main" val="3223243922"/>
+      </p:ext>
+    </p:extLst>
   </p:cSld>
   <p:clrMapOvr>
     <a:masterClrMapping/>
@@ -19714,8 +20960,8 @@
           <a:lstStyle/>
           <a:p>
             <a:fld id="{5A61015F-7CC6-4D0A-9D87-873EA4C304CC}" type="datetimeFigureOut">
-              <a:rPr lang="en-US" dirty="0"/>
-              <a:t>4/24/2016</a:t>
+              <a:rPr lang="en-US" smtClean="0"/>
+              <a:t>4/28/2016</a:t>
             </a:fld>
             <a:endParaRPr lang="en-US" dirty="0"/>
           </a:p>
@@ -19756,7 +21002,7 @@
           <a:lstStyle/>
           <a:p>
             <a:fld id="{4FAB73BC-B049-4115-A692-8D63A059BFB8}" type="slidenum">
-              <a:rPr lang="en-US" dirty="0"/>
+              <a:rPr lang="en-US" smtClean="0"/>
               <a:t>‹#›</a:t>
             </a:fld>
             <a:endParaRPr lang="en-US" dirty="0"/>
@@ -19801,6 +21047,11 @@
         </p:style>
       </p:cxnSp>
     </p:spTree>
+    <p:extLst>
+      <p:ext uri="{BB962C8B-B14F-4D97-AF65-F5344CB8AC3E}">
+        <p14:creationId xmlns:p14="http://schemas.microsoft.com/office/powerpoint/2010/main" val="2455283552"/>
+      </p:ext>
+    </p:extLst>
   </p:cSld>
   <p:clrMapOvr>
     <a:masterClrMapping/>
@@ -19983,8 +21234,8 @@
           <a:lstStyle/>
           <a:p>
             <a:fld id="{93C6A301-0538-44EC-B09D-202E1042A48B}" type="datetimeFigureOut">
-              <a:rPr lang="en-US" dirty="0"/>
-              <a:t>4/24/2016</a:t>
+              <a:rPr lang="en-US" smtClean="0"/>
+              <a:t>4/28/2016</a:t>
             </a:fld>
             <a:endParaRPr lang="en-US" dirty="0"/>
           </a:p>
@@ -20025,7 +21276,7 @@
           <a:lstStyle/>
           <a:p>
             <a:fld id="{4FAB73BC-B049-4115-A692-8D63A059BFB8}" type="slidenum">
-              <a:rPr lang="en-US" dirty="0"/>
+              <a:rPr lang="en-US" smtClean="0"/>
               <a:t>‹#›</a:t>
             </a:fld>
             <a:endParaRPr lang="en-US" dirty="0"/>
@@ -20033,6 +21284,11 @@
         </p:txBody>
       </p:sp>
     </p:spTree>
+    <p:extLst>
+      <p:ext uri="{BB962C8B-B14F-4D97-AF65-F5344CB8AC3E}">
+        <p14:creationId xmlns:p14="http://schemas.microsoft.com/office/powerpoint/2010/main" val="2424408405"/>
+      </p:ext>
+    </p:extLst>
   </p:cSld>
   <p:clrMapOvr>
     <a:masterClrMapping/>
@@ -20376,8 +21632,8 @@
           <a:lstStyle/>
           <a:p>
             <a:fld id="{D789574A-8875-45EF-8EA2-3CAA0F7ABC4C}" type="datetimeFigureOut">
-              <a:rPr lang="en-US" dirty="0"/>
-              <a:t>4/24/2016</a:t>
+              <a:rPr lang="en-US" smtClean="0"/>
+              <a:t>4/28/2016</a:t>
             </a:fld>
             <a:endParaRPr lang="en-US" dirty="0"/>
           </a:p>
@@ -20418,7 +21674,7 @@
           <a:lstStyle/>
           <a:p>
             <a:fld id="{4FAB73BC-B049-4115-A692-8D63A059BFB8}" type="slidenum">
-              <a:rPr lang="en-US" dirty="0"/>
+              <a:rPr lang="en-US" smtClean="0"/>
               <a:t>‹#›</a:t>
             </a:fld>
             <a:endParaRPr lang="en-US" dirty="0"/>
@@ -20426,6 +21682,11 @@
         </p:txBody>
       </p:sp>
     </p:spTree>
+    <p:extLst>
+      <p:ext uri="{BB962C8B-B14F-4D97-AF65-F5344CB8AC3E}">
+        <p14:creationId xmlns:p14="http://schemas.microsoft.com/office/powerpoint/2010/main" val="4293986044"/>
+      </p:ext>
+    </p:extLst>
   </p:cSld>
   <p:clrMapOvr>
     <a:masterClrMapping/>
@@ -20489,8 +21750,8 @@
           <a:lstStyle/>
           <a:p>
             <a:fld id="{67EF4D4C-5367-4C26-9E2B-D8088D7FCA81}" type="datetimeFigureOut">
-              <a:rPr lang="en-US" dirty="0"/>
-              <a:t>4/24/2016</a:t>
+              <a:rPr lang="en-US" smtClean="0"/>
+              <a:t>4/28/2016</a:t>
             </a:fld>
             <a:endParaRPr lang="en-US" dirty="0"/>
           </a:p>
@@ -20531,7 +21792,7 @@
           <a:lstStyle/>
           <a:p>
             <a:fld id="{4FAB73BC-B049-4115-A692-8D63A059BFB8}" type="slidenum">
-              <a:rPr lang="en-US" dirty="0"/>
+              <a:rPr lang="en-US" smtClean="0"/>
               <a:t>‹#›</a:t>
             </a:fld>
             <a:endParaRPr lang="en-US" dirty="0"/>
@@ -20539,6 +21800,11 @@
         </p:txBody>
       </p:sp>
     </p:spTree>
+    <p:extLst>
+      <p:ext uri="{BB962C8B-B14F-4D97-AF65-F5344CB8AC3E}">
+        <p14:creationId xmlns:p14="http://schemas.microsoft.com/office/powerpoint/2010/main" val="2800374507"/>
+      </p:ext>
+    </p:extLst>
   </p:cSld>
   <p:clrMapOvr>
     <a:masterClrMapping/>
@@ -20579,8 +21845,8 @@
           <a:lstStyle/>
           <a:p>
             <a:fld id="{56E91E96-98B0-4413-9547-46F3504108EF}" type="datetimeFigureOut">
-              <a:rPr lang="en-US" dirty="0"/>
-              <a:t>4/24/2016</a:t>
+              <a:rPr lang="en-US" smtClean="0"/>
+              <a:t>4/28/2016</a:t>
             </a:fld>
             <a:endParaRPr lang="en-US" dirty="0"/>
           </a:p>
@@ -20621,7 +21887,7 @@
           <a:lstStyle/>
           <a:p>
             <a:fld id="{4FAB73BC-B049-4115-A692-8D63A059BFB8}" type="slidenum">
-              <a:rPr lang="en-US" dirty="0"/>
+              <a:rPr lang="en-US" smtClean="0"/>
               <a:t>‹#›</a:t>
             </a:fld>
             <a:endParaRPr lang="en-US" dirty="0"/>
@@ -20629,6 +21895,11 @@
         </p:txBody>
       </p:sp>
     </p:spTree>
+    <p:extLst>
+      <p:ext uri="{BB962C8B-B14F-4D97-AF65-F5344CB8AC3E}">
+        <p14:creationId xmlns:p14="http://schemas.microsoft.com/office/powerpoint/2010/main" val="1547805952"/>
+      </p:ext>
+    </p:extLst>
   </p:cSld>
   <p:clrMapOvr>
     <a:masterClrMapping/>
@@ -20864,8 +22135,8 @@
           <a:lstStyle/>
           <a:p>
             <a:fld id="{05C68B11-C5A8-448C-8CE9-B1A273C79CFC}" type="datetimeFigureOut">
-              <a:rPr lang="en-US" dirty="0"/>
-              <a:t>4/24/2016</a:t>
+              <a:rPr lang="en-US" smtClean="0"/>
+              <a:t>4/28/2016</a:t>
             </a:fld>
             <a:endParaRPr lang="en-US" dirty="0"/>
           </a:p>
@@ -20906,7 +22177,7 @@
           <a:lstStyle/>
           <a:p>
             <a:fld id="{4FAB73BC-B049-4115-A692-8D63A059BFB8}" type="slidenum">
-              <a:rPr lang="en-US" dirty="0"/>
+              <a:rPr lang="en-US" smtClean="0"/>
               <a:t>‹#›</a:t>
             </a:fld>
             <a:endParaRPr lang="en-US" dirty="0"/>
@@ -20914,6 +22185,11 @@
         </p:txBody>
       </p:sp>
     </p:spTree>
+    <p:extLst>
+      <p:ext uri="{BB962C8B-B14F-4D97-AF65-F5344CB8AC3E}">
+        <p14:creationId xmlns:p14="http://schemas.microsoft.com/office/powerpoint/2010/main" val="4034357789"/>
+      </p:ext>
+    </p:extLst>
   </p:cSld>
   <p:clrMapOvr>
     <a:masterClrMapping/>
@@ -21139,8 +22415,8 @@
           <a:lstStyle/>
           <a:p>
             <a:fld id="{C7616CA0-919D-4A49-9C8A-62FDFB3A5183}" type="datetimeFigureOut">
-              <a:rPr lang="en-US" dirty="0"/>
-              <a:t>4/24/2016</a:t>
+              <a:rPr lang="en-US" smtClean="0"/>
+              <a:t>4/28/2016</a:t>
             </a:fld>
             <a:endParaRPr lang="en-US" dirty="0"/>
           </a:p>
@@ -21181,7 +22457,7 @@
           <a:lstStyle/>
           <a:p>
             <a:fld id="{867E5644-1E61-4311-A31E-84CB9C7AA8A9}" type="slidenum">
-              <a:rPr lang="en-US" dirty="0"/>
+              <a:rPr lang="en-US" smtClean="0"/>
               <a:t>‹#›</a:t>
             </a:fld>
             <a:endParaRPr lang="en-US" dirty="0"/>
@@ -21224,6 +22500,11 @@
         </p:style>
       </p:cxnSp>
     </p:spTree>
+    <p:extLst>
+      <p:ext uri="{BB962C8B-B14F-4D97-AF65-F5344CB8AC3E}">
+        <p14:creationId xmlns:p14="http://schemas.microsoft.com/office/powerpoint/2010/main" val="2879013076"/>
+      </p:ext>
+    </p:extLst>
   </p:cSld>
   <p:clrMapOvr>
     <a:masterClrMapping/>
@@ -21384,9 +22665,9 @@
           </a:lstStyle>
           <a:p>
             <a:fld id="{90298CD5-6C1E-4009-B41F-6DF62E31D3BE}" type="datetimeFigureOut">
-              <a:rPr lang="en-US" dirty="0"/>
+              <a:rPr lang="en-US" smtClean="0"/>
               <a:pPr/>
-              <a:t>4/24/2016</a:t>
+              <a:t>4/28/2016</a:t>
             </a:fld>
             <a:endParaRPr lang="en-US" dirty="0"/>
           </a:p>
@@ -21467,7 +22748,7 @@
           </a:lstStyle>
           <a:p>
             <a:fld id="{4FAB73BC-B049-4115-A692-8D63A059BFB8}" type="slidenum">
-              <a:rPr lang="en-US" dirty="0"/>
+              <a:rPr lang="en-US" smtClean="0"/>
               <a:pPr/>
               <a:t>‹#›</a:t>
             </a:fld>
@@ -21511,20 +22792,25 @@
         </p:style>
       </p:cxnSp>
     </p:spTree>
+    <p:extLst>
+      <p:ext uri="{BB962C8B-B14F-4D97-AF65-F5344CB8AC3E}">
+        <p14:creationId xmlns:p14="http://schemas.microsoft.com/office/powerpoint/2010/main" val="3589392473"/>
+      </p:ext>
+    </p:extLst>
   </p:cSld>
   <p:clrMap bg1="lt1" tx1="dk1" bg2="lt2" tx2="dk2" accent1="accent1" accent2="accent2" accent3="accent3" accent4="accent4" accent5="accent5" accent6="accent6" hlink="hlink" folHlink="folHlink"/>
   <p:sldLayoutIdLst>
-    <p:sldLayoutId id="2147483649" r:id="rId1"/>
-    <p:sldLayoutId id="2147483650" r:id="rId2"/>
-    <p:sldLayoutId id="2147483651" r:id="rId3"/>
-    <p:sldLayoutId id="2147483652" r:id="rId4"/>
-    <p:sldLayoutId id="2147483653" r:id="rId5"/>
-    <p:sldLayoutId id="2147483654" r:id="rId6"/>
-    <p:sldLayoutId id="2147483655" r:id="rId7"/>
-    <p:sldLayoutId id="2147483656" r:id="rId8"/>
-    <p:sldLayoutId id="2147483660" r:id="rId9"/>
-    <p:sldLayoutId id="2147483658" r:id="rId10"/>
-    <p:sldLayoutId id="2147483659" r:id="rId11"/>
+    <p:sldLayoutId id="2147483674" r:id="rId1"/>
+    <p:sldLayoutId id="2147483675" r:id="rId2"/>
+    <p:sldLayoutId id="2147483676" r:id="rId3"/>
+    <p:sldLayoutId id="2147483677" r:id="rId4"/>
+    <p:sldLayoutId id="2147483678" r:id="rId5"/>
+    <p:sldLayoutId id="2147483679" r:id="rId6"/>
+    <p:sldLayoutId id="2147483680" r:id="rId7"/>
+    <p:sldLayoutId id="2147483681" r:id="rId8"/>
+    <p:sldLayoutId id="2147483682" r:id="rId9"/>
+    <p:sldLayoutId id="2147483683" r:id="rId10"/>
+    <p:sldLayoutId id="2147483684" r:id="rId11"/>
   </p:sldLayoutIdLst>
   <p:txStyles>
     <p:titleStyle>
@@ -22021,8 +23307,9 @@
             </a:pPr>
             <a:r>
               <a:rPr lang="en-GB" dirty="0" smtClean="0"/>
-              <a:t>Generation of PPPs</a:t>
+              <a:t>Evolving PPPs</a:t>
             </a:r>
+            <a:endParaRPr lang="en-GB" dirty="0" smtClean="0"/>
           </a:p>
           <a:p>
             <a:pPr marL="457200" indent="-457200">
@@ -22031,8 +23318,23 @@
             </a:pPr>
             <a:r>
               <a:rPr lang="en-GB" dirty="0" smtClean="0"/>
-              <a:t>Introducing Difficulty to PPP Generation</a:t>
+              <a:t>Introducing Difficulty to PPP </a:t>
             </a:r>
+            <a:r>
+              <a:rPr lang="en-GB" dirty="0" smtClean="0"/>
+              <a:t>Evolution</a:t>
+            </a:r>
+          </a:p>
+          <a:p>
+            <a:pPr marL="457200" indent="-457200">
+              <a:buFont typeface="+mj-lt"/>
+              <a:buAutoNum type="arabicPeriod"/>
+            </a:pPr>
+            <a:r>
+              <a:rPr lang="en-GB" dirty="0" smtClean="0"/>
+              <a:t>Evaluation Method</a:t>
+            </a:r>
+            <a:endParaRPr lang="en-GB" dirty="0" smtClean="0"/>
           </a:p>
           <a:p>
             <a:pPr marL="457200" indent="-457200">
@@ -22203,8 +23505,8 @@
         </p:blipFill>
         <p:spPr>
           <a:xfrm>
-            <a:off x="6192134" y="2286000"/>
-            <a:ext cx="4386966" cy="4057310"/>
+            <a:off x="6719094" y="2773362"/>
+            <a:ext cx="3295650" cy="3048000"/>
           </a:xfrm>
         </p:spPr>
       </p:pic>
@@ -22380,7 +23682,7 @@
           <a:p>
             <a:r>
               <a:rPr lang="en-GB" dirty="0" smtClean="0"/>
-              <a:t>Generation of PPPs</a:t>
+              <a:t>Evolving PPPs</a:t>
             </a:r>
             <a:endParaRPr lang="en-GB" dirty="0"/>
           </a:p>
@@ -22556,43 +23858,158 @@
           <a:bodyPr/>
           <a:lstStyle/>
           <a:p>
+            <a:r>
+              <a:rPr lang="en-GB" dirty="0" smtClean="0"/>
+              <a:t>Introducing Difficulty to PPP </a:t>
+            </a:r>
+            <a:r>
+              <a:rPr lang="en-GB" dirty="0" smtClean="0"/>
+              <a:t>Evolution</a:t>
+            </a:r>
             <a:endParaRPr lang="en-GB" dirty="0"/>
           </a:p>
         </p:txBody>
       </p:sp>
-      <p:pic>
-        <p:nvPicPr>
-          <p:cNvPr id="4" name="Content Placeholder 3"/>
-          <p:cNvPicPr>
-            <a:picLocks noGrp="1" noChangeAspect="1"/>
-          </p:cNvPicPr>
+      <p:sp>
+        <p:nvSpPr>
+          <p:cNvPr id="3" name="Content Placeholder 2"/>
+          <p:cNvSpPr>
+            <a:spLocks noGrp="1"/>
+          </p:cNvSpPr>
           <p:nvPr>
             <p:ph idx="1"/>
           </p:nvPr>
-        </p:nvPicPr>
-        <p:blipFill>
-          <a:blip r:embed="rId3">
-            <a:extLst>
-              <a:ext uri="{28A0092B-C50C-407E-A947-70E740481C1C}">
-                <a14:useLocalDpi xmlns:a14="http://schemas.microsoft.com/office/drawing/2010/main" val="0"/>
-              </a:ext>
-            </a:extLst>
-          </a:blip>
-          <a:stretch>
-            <a:fillRect/>
-          </a:stretch>
-        </p:blipFill>
-        <p:spPr>
-          <a:xfrm>
-            <a:off x="768634" y="343169"/>
-            <a:ext cx="10661366" cy="6277775"/>
-          </a:xfrm>
-        </p:spPr>
-      </p:pic>
+        </p:nvSpPr>
+        <p:spPr/>
+        <p:txBody>
+          <a:bodyPr>
+            <a:normAutofit fontScale="85000" lnSpcReduction="20000"/>
+          </a:bodyPr>
+          <a:lstStyle/>
+          <a:p>
+            <a:r>
+              <a:rPr lang="en-GB" dirty="0" smtClean="0"/>
+              <a:t>Aim:</a:t>
+            </a:r>
+          </a:p>
+          <a:p>
+            <a:pPr lvl="1"/>
+            <a:r>
+              <a:rPr lang="en-GB" dirty="0" smtClean="0"/>
+              <a:t>Improve the ability of generated PPPs to find faults in test agents</a:t>
+            </a:r>
+          </a:p>
+          <a:p>
+            <a:pPr lvl="1"/>
+            <a:endParaRPr lang="en-GB" dirty="0"/>
+          </a:p>
+          <a:p>
+            <a:r>
+              <a:rPr lang="en-GB" dirty="0" smtClean="0"/>
+              <a:t>Difficult PPPs</a:t>
+            </a:r>
+          </a:p>
+          <a:p>
+            <a:pPr lvl="1"/>
+            <a:r>
+              <a:rPr lang="en-GB" dirty="0" smtClean="0"/>
+              <a:t>Difficulty is abstract</a:t>
+            </a:r>
+          </a:p>
+          <a:p>
+            <a:pPr lvl="1"/>
+            <a:r>
+              <a:rPr lang="en-GB" dirty="0" smtClean="0"/>
+              <a:t>In this project, I focus on difficulty of exploration</a:t>
+            </a:r>
+          </a:p>
+          <a:p>
+            <a:pPr lvl="1"/>
+            <a:r>
+              <a:rPr lang="en-GB" dirty="0" smtClean="0"/>
+              <a:t>PPPs which are hard to explore obscure and obstruct the optimal </a:t>
+            </a:r>
+            <a:r>
+              <a:rPr lang="en-GB" dirty="0" smtClean="0"/>
+              <a:t>route</a:t>
+            </a:r>
+          </a:p>
+          <a:p>
+            <a:pPr lvl="1"/>
+            <a:endParaRPr lang="en-GB" dirty="0"/>
+          </a:p>
+          <a:p>
+            <a:r>
+              <a:rPr lang="en-GB" dirty="0" smtClean="0"/>
+              <a:t>Method</a:t>
+            </a:r>
+            <a:endParaRPr lang="en-GB" dirty="0" smtClean="0"/>
+          </a:p>
+          <a:p>
+            <a:pPr lvl="1"/>
+            <a:r>
+              <a:rPr lang="en-GB" dirty="0" smtClean="0"/>
+              <a:t>Multiple approaches are used to measure the exploration difficulty of a PPP in the project</a:t>
+            </a:r>
+          </a:p>
+          <a:p>
+            <a:pPr lvl="1"/>
+            <a:r>
+              <a:rPr lang="en-GB" dirty="0" smtClean="0"/>
+              <a:t>I settled on a </a:t>
+            </a:r>
+            <a:r>
+              <a:rPr lang="en-GB" dirty="0" smtClean="0"/>
+              <a:t>fitness function taking </a:t>
+            </a:r>
+            <a:r>
+              <a:rPr lang="en-GB" dirty="0" smtClean="0"/>
+              <a:t>into account multiple factors:</a:t>
+            </a:r>
+          </a:p>
+          <a:p>
+            <a:pPr lvl="2"/>
+            <a:r>
+              <a:rPr lang="en-GB" sz="1500" dirty="0" smtClean="0"/>
+              <a:t>Horizontal </a:t>
+            </a:r>
+            <a:r>
+              <a:rPr lang="en-GB" sz="1500" dirty="0" smtClean="0"/>
+              <a:t>and Vertical ‘Openness’</a:t>
+            </a:r>
+          </a:p>
+          <a:p>
+            <a:pPr lvl="2"/>
+            <a:r>
+              <a:rPr lang="en-GB" sz="1500" dirty="0" smtClean="0"/>
+              <a:t>Visibility of the map from various </a:t>
+            </a:r>
+            <a:r>
+              <a:rPr lang="en-GB" sz="1500" dirty="0" smtClean="0"/>
+              <a:t>locations</a:t>
+            </a:r>
+          </a:p>
+          <a:p>
+            <a:pPr lvl="2"/>
+            <a:r>
+              <a:rPr lang="en-GB" sz="1500" dirty="0" smtClean="0"/>
+              <a:t>(Adjustable) weights on each factor</a:t>
+            </a:r>
+            <a:endParaRPr lang="en-GB" sz="1500" dirty="0" smtClean="0"/>
+          </a:p>
+          <a:p>
+            <a:pPr lvl="2"/>
+            <a:r>
+              <a:rPr lang="en-GB" sz="1500" dirty="0" smtClean="0"/>
+              <a:t>Etc.</a:t>
+            </a:r>
+          </a:p>
+        </p:txBody>
+      </p:sp>
     </p:spTree>
     <p:extLst>
       <p:ext uri="{BB962C8B-B14F-4D97-AF65-F5344CB8AC3E}">
-        <p14:creationId xmlns:p14="http://schemas.microsoft.com/office/powerpoint/2010/main" val="3413246435"/>
+        <p14:creationId xmlns:p14="http://schemas.microsoft.com/office/powerpoint/2010/main" val="2158010617"/>
       </p:ext>
     </p:extLst>
   </p:cSld>
@@ -22643,7 +24060,7 @@
           <a:p>
             <a:r>
               <a:rPr lang="en-GB" dirty="0" smtClean="0"/>
-              <a:t>Introducing Difficulty to PPP generation</a:t>
+              <a:t>Evaluation Methodology</a:t>
             </a:r>
             <a:endParaRPr lang="en-GB" dirty="0"/>
           </a:p>
@@ -22661,102 +24078,69 @@
         </p:nvSpPr>
         <p:spPr/>
         <p:txBody>
-          <a:bodyPr>
-            <a:normAutofit lnSpcReduction="10000"/>
-          </a:bodyPr>
+          <a:bodyPr/>
           <a:lstStyle/>
           <a:p>
             <a:r>
               <a:rPr lang="en-GB" dirty="0" smtClean="0"/>
-              <a:t>Aim:</a:t>
+              <a:t>Simulation of Test Agents with faults</a:t>
+            </a:r>
+          </a:p>
+          <a:p>
+            <a:pPr lvl="2"/>
+            <a:r>
+              <a:rPr lang="en-GB" sz="1700" dirty="0" smtClean="0"/>
+              <a:t>I produced a simulator with a set of test agents with intentionally faulty path planning algorithms</a:t>
+            </a:r>
+          </a:p>
+          <a:p>
+            <a:pPr lvl="2"/>
+            <a:r>
+              <a:rPr lang="en-GB" sz="1700" dirty="0" smtClean="0"/>
+              <a:t>A ‘good’ PPP will have a low pass rate as it will manifest the agent faults and prevent completion</a:t>
+            </a:r>
+          </a:p>
+          <a:p>
+            <a:pPr lvl="2"/>
+            <a:endParaRPr lang="en-GB" dirty="0"/>
+          </a:p>
+          <a:p>
+            <a:r>
+              <a:rPr lang="en-GB" dirty="0" smtClean="0"/>
+              <a:t>Methodology</a:t>
             </a:r>
           </a:p>
           <a:p>
             <a:pPr lvl="1"/>
             <a:r>
               <a:rPr lang="en-GB" dirty="0" smtClean="0"/>
-              <a:t>Improve the ability of generated PPPs to find faults in test agents</a:t>
-            </a:r>
-          </a:p>
-          <a:p>
-            <a:pPr lvl="1"/>
-            <a:endParaRPr lang="en-GB" dirty="0"/>
-          </a:p>
-          <a:p>
-            <a:r>
-              <a:rPr lang="en-GB" dirty="0" smtClean="0"/>
-              <a:t>Difficult PPPs</a:t>
+              <a:t>Set of 60 PPPs per fitness function – Wei vs Mine</a:t>
             </a:r>
           </a:p>
           <a:p>
             <a:pPr lvl="1"/>
             <a:r>
               <a:rPr lang="en-GB" dirty="0" smtClean="0"/>
-              <a:t>Difficulty is abstract</a:t>
-            </a:r>
-          </a:p>
-          <a:p>
-            <a:pPr lvl="1"/>
-            <a:r>
-              <a:rPr lang="en-GB" dirty="0" smtClean="0"/>
-              <a:t>In this project, I focus on difficulty of exploration</a:t>
-            </a:r>
-          </a:p>
-          <a:p>
-            <a:pPr lvl="1"/>
-            <a:r>
-              <a:rPr lang="en-GB" dirty="0" smtClean="0"/>
-              <a:t>PPPs which are hard to explore obscure and obstruct the optimal route</a:t>
-            </a:r>
-          </a:p>
-          <a:p>
-            <a:pPr lvl="1"/>
-            <a:r>
-              <a:rPr lang="en-GB" dirty="0" smtClean="0"/>
-              <a:t>Multiple approaches are used to measure the exploration difficulty of a PPP in the project</a:t>
-            </a:r>
-          </a:p>
-          <a:p>
-            <a:pPr lvl="1"/>
-            <a:r>
-              <a:rPr lang="en-GB" dirty="0" smtClean="0"/>
-              <a:t>I settled on a weighted sum taking into account multiple factors:</a:t>
+              <a:t>Each agent runs on each PPP 1000 times</a:t>
             </a:r>
           </a:p>
           <a:p>
             <a:pPr lvl="2"/>
             <a:r>
-              <a:rPr lang="en-GB" dirty="0" smtClean="0"/>
-              <a:t>Obstacle usage</a:t>
+              <a:rPr lang="en-GB" sz="1600" dirty="0" smtClean="0"/>
+              <a:t>To make nondeterminism (e.g. tie breaks) negligible</a:t>
             </a:r>
           </a:p>
           <a:p>
-            <a:pPr lvl="2"/>
-            <a:r>
-              <a:rPr lang="en-GB" dirty="0" smtClean="0"/>
-              <a:t>Horizontal and Vertical ‘Openness’</a:t>
-            </a:r>
-          </a:p>
-          <a:p>
-            <a:pPr lvl="2"/>
-            <a:r>
-              <a:rPr lang="en-GB" dirty="0" smtClean="0"/>
-              <a:t>Visibility of the map from various locations</a:t>
-            </a:r>
-          </a:p>
-          <a:p>
-            <a:pPr lvl="2"/>
-            <a:r>
-              <a:rPr lang="en-GB" dirty="0" smtClean="0"/>
-              <a:t>Etc.</a:t>
-            </a:r>
+            <a:pPr lvl="1"/>
+            <a:endParaRPr lang="en-GB" dirty="0"/>
           </a:p>
         </p:txBody>
       </p:sp>
     </p:spTree>
     <p:extLst>
       <p:ext uri="{BB962C8B-B14F-4D97-AF65-F5344CB8AC3E}">
-        <p14:creationId xmlns:p14="http://schemas.microsoft.com/office/powerpoint/2010/main" val="2158010617"/>
+        <p14:creationId xmlns:p14="http://schemas.microsoft.com/office/powerpoint/2010/main" val="1678370551"/>
       </p:ext>
     </p:extLst>
   </p:cSld>
@@ -22815,12 +24199,12 @@
       </p:sp>
       <p:sp>
         <p:nvSpPr>
-          <p:cNvPr id="14" name="Text Placeholder 13"/>
+          <p:cNvPr id="15" name="Content Placeholder 14"/>
           <p:cNvSpPr>
             <a:spLocks noGrp="1"/>
           </p:cNvSpPr>
           <p:nvPr>
-            <p:ph type="body" idx="1"/>
+            <p:ph sz="half" idx="1"/>
           </p:nvPr>
         </p:nvSpPr>
         <p:spPr/>
@@ -22829,21 +24213,114 @@
           <a:lstStyle/>
           <a:p>
             <a:r>
-              <a:rPr lang="en-GB" dirty="0" smtClean="0"/>
+              <a:rPr lang="en-GB" sz="2300" dirty="0" smtClean="0">
+                <a:solidFill>
+                  <a:schemeClr val="accent1"/>
+                </a:solidFill>
+              </a:rPr>
               <a:t>Fault Finding</a:t>
             </a:r>
-            <a:endParaRPr lang="en-GB" dirty="0"/>
+          </a:p>
+          <a:p>
+            <a:r>
+              <a:rPr lang="en-GB" dirty="0" smtClean="0"/>
+              <a:t>Difficult PPPs did not improve upon the ability of the existing fitness function to find faults in test agents.</a:t>
+            </a:r>
+          </a:p>
+          <a:p>
+            <a:r>
+              <a:rPr lang="en-GB" dirty="0" smtClean="0"/>
+              <a:t>In </a:t>
+            </a:r>
+            <a:r>
+              <a:rPr lang="en-GB" dirty="0" smtClean="0"/>
+              <a:t>the case of some test agents used by this project, statistically less faults were discovered</a:t>
+            </a:r>
+            <a:r>
+              <a:rPr lang="en-GB" dirty="0" smtClean="0"/>
+              <a:t>.</a:t>
+            </a:r>
+          </a:p>
+          <a:p>
+            <a:pPr lvl="2"/>
+            <a:r>
+              <a:rPr lang="en-GB" sz="1600" dirty="0" smtClean="0"/>
+              <a:t>This is shown by significantly higher pass rates</a:t>
+            </a:r>
+            <a:endParaRPr lang="en-GB" sz="1600" dirty="0"/>
           </a:p>
         </p:txBody>
       </p:sp>
+      <p:graphicFrame>
+        <p:nvGraphicFramePr>
+          <p:cNvPr id="19" name="Content Placeholder 18"/>
+          <p:cNvGraphicFramePr>
+            <a:graphicFrameLocks noGrp="1"/>
+          </p:cNvGraphicFramePr>
+          <p:nvPr>
+            <p:ph sz="half" idx="2"/>
+            <p:extLst>
+              <p:ext uri="{D42A27DB-BD31-4B8C-83A1-F6EECF244321}">
+                <p14:modId xmlns:p14="http://schemas.microsoft.com/office/powerpoint/2010/main" val="2402571229"/>
+              </p:ext>
+            </p:extLst>
+          </p:nvPr>
+        </p:nvGraphicFramePr>
+        <p:xfrm>
+          <a:off x="5779007" y="2084832"/>
+          <a:ext cx="5960275" cy="4223893"/>
+        </p:xfrm>
+        <a:graphic>
+          <a:graphicData uri="http://schemas.openxmlformats.org/drawingml/2006/chart">
+            <c:chart xmlns:c="http://schemas.openxmlformats.org/drawingml/2006/chart" xmlns:r="http://schemas.openxmlformats.org/officeDocument/2006/relationships" r:id="rId3"/>
+          </a:graphicData>
+        </a:graphic>
+      </p:graphicFrame>
+    </p:spTree>
+    <p:extLst>
+      <p:ext uri="{BB962C8B-B14F-4D97-AF65-F5344CB8AC3E}">
+        <p14:creationId xmlns:p14="http://schemas.microsoft.com/office/powerpoint/2010/main" val="1980363872"/>
+      </p:ext>
+    </p:extLst>
+  </p:cSld>
+  <p:clrMapOvr>
+    <a:masterClrMapping/>
+  </p:clrMapOvr>
+  <p:timing>
+    <p:tnLst>
+      <p:par>
+        <p:cTn id="1" dur="indefinite" restart="never" nodeType="tmRoot"/>
+      </p:par>
+    </p:tnLst>
+  </p:timing>
+</p:sld>
+</file>
+
+<file path=ppt/slides/slide9.xml><?xml version="1.0" encoding="utf-8"?>
+<p:sld xmlns:a="http://schemas.openxmlformats.org/drawingml/2006/main" xmlns:r="http://schemas.openxmlformats.org/officeDocument/2006/relationships" xmlns:p="http://schemas.openxmlformats.org/presentationml/2006/main">
+  <p:cSld>
+    <p:spTree>
+      <p:nvGrpSpPr>
+        <p:cNvPr id="1" name=""/>
+        <p:cNvGrpSpPr/>
+        <p:nvPr/>
+      </p:nvGrpSpPr>
+      <p:grpSpPr>
+        <a:xfrm>
+          <a:off x="0" y="0"/>
+          <a:ext cx="0" cy="0"/>
+          <a:chOff x="0" y="0"/>
+          <a:chExt cx="0" cy="0"/>
+        </a:xfrm>
+      </p:grpSpPr>
       <p:sp>
         <p:nvSpPr>
-          <p:cNvPr id="15" name="Content Placeholder 14"/>
+          <p:cNvPr id="2" name="Title 1"/>
           <p:cNvSpPr>
             <a:spLocks noGrp="1"/>
           </p:cNvSpPr>
           <p:nvPr>
-            <p:ph sz="half" idx="2"/>
+            <p:ph type="title"/>
           </p:nvPr>
         </p:nvSpPr>
         <p:spPr/>
@@ -22853,13 +24330,7 @@
           <a:p>
             <a:r>
               <a:rPr lang="en-GB" dirty="0" smtClean="0"/>
-              <a:t>Difficult PPPs did not improve upon the ability of the existing fitness function to find faults in test agents.</a:t>
-            </a:r>
-          </a:p>
-          <a:p>
-            <a:r>
-              <a:rPr lang="en-GB" dirty="0" smtClean="0"/>
-              <a:t>In the case of some test agents used by this project, statistically less faults were discovered.</a:t>
+              <a:t>Results</a:t>
             </a:r>
             <a:endParaRPr lang="en-GB" dirty="0"/>
           </a:p>
@@ -22867,12 +24338,12 @@
       </p:sp>
       <p:sp>
         <p:nvSpPr>
-          <p:cNvPr id="16" name="Text Placeholder 15"/>
+          <p:cNvPr id="4" name="Content Placeholder 3"/>
           <p:cNvSpPr>
             <a:spLocks noGrp="1"/>
           </p:cNvSpPr>
           <p:nvPr>
-            <p:ph type="body" sz="quarter" idx="3"/>
+            <p:ph sz="half" idx="1"/>
           </p:nvPr>
         </p:nvSpPr>
         <p:spPr/>
@@ -22881,49 +24352,71 @@
           <a:lstStyle/>
           <a:p>
             <a:r>
-              <a:rPr lang="en-GB" dirty="0" smtClean="0"/>
+              <a:rPr lang="en-GB" sz="2300" dirty="0" smtClean="0">
+                <a:solidFill>
+                  <a:schemeClr val="accent1"/>
+                </a:solidFill>
+              </a:rPr>
               <a:t>Diversity</a:t>
             </a:r>
+          </a:p>
+          <a:p>
+            <a:r>
+              <a:rPr lang="en-GB" dirty="0" smtClean="0"/>
+              <a:t>The </a:t>
+            </a:r>
+            <a:r>
+              <a:rPr lang="en-GB" dirty="0"/>
+              <a:t>approach to measurement of difficulty produced many factors describing the environment of a PPP.</a:t>
+            </a:r>
+          </a:p>
+          <a:p>
+            <a:endParaRPr lang="en-GB" dirty="0"/>
+          </a:p>
+          <a:p>
+            <a:r>
+              <a:rPr lang="en-GB" dirty="0"/>
+              <a:t>Incorporating these descriptions as taxonomic characters improved the classification of PPPs</a:t>
+            </a:r>
+          </a:p>
+          <a:p>
             <a:endParaRPr lang="en-GB" dirty="0"/>
           </a:p>
         </p:txBody>
       </p:sp>
-      <p:sp>
-        <p:nvSpPr>
-          <p:cNvPr id="17" name="Content Placeholder 16"/>
-          <p:cNvSpPr>
-            <a:spLocks noGrp="1"/>
-          </p:cNvSpPr>
+      <p:pic>
+        <p:nvPicPr>
+          <p:cNvPr id="7" name="Content Placeholder 3"/>
+          <p:cNvPicPr>
+            <a:picLocks noGrp="1" noChangeAspect="1"/>
+          </p:cNvPicPr>
           <p:nvPr>
-            <p:ph sz="quarter" idx="4"/>
+            <p:ph sz="half" idx="2"/>
           </p:nvPr>
-        </p:nvSpPr>
-        <p:spPr/>
-        <p:txBody>
-          <a:bodyPr/>
-          <a:lstStyle/>
-          <a:p>
-            <a:r>
-              <a:rPr lang="en-GB" dirty="0" smtClean="0"/>
-              <a:t>The approach to measurement of difficulty produced many factors describing the environment of a PPP.</a:t>
-            </a:r>
-          </a:p>
-          <a:p>
-            <a:endParaRPr lang="en-GB" dirty="0"/>
-          </a:p>
-          <a:p>
-            <a:r>
-              <a:rPr lang="en-GB" dirty="0" smtClean="0"/>
-              <a:t>Incorporating these descriptions as taxonomic characters improved the classification of PPPs</a:t>
-            </a:r>
-            <a:endParaRPr lang="en-GB" dirty="0"/>
-          </a:p>
-        </p:txBody>
-      </p:sp>
+        </p:nvPicPr>
+        <p:blipFill>
+          <a:blip r:embed="rId3">
+            <a:extLst>
+              <a:ext uri="{28A0092B-C50C-407E-A947-70E740481C1C}">
+                <a14:useLocalDpi xmlns:a14="http://schemas.microsoft.com/office/drawing/2010/main" val="0"/>
+              </a:ext>
+            </a:extLst>
+          </a:blip>
+          <a:stretch>
+            <a:fillRect/>
+          </a:stretch>
+        </p:blipFill>
+        <p:spPr>
+          <a:xfrm>
+            <a:off x="6243814" y="2084832"/>
+            <a:ext cx="5038268" cy="4223893"/>
+          </a:xfrm>
+        </p:spPr>
+      </p:pic>
     </p:spTree>
     <p:extLst>
       <p:ext uri="{BB962C8B-B14F-4D97-AF65-F5344CB8AC3E}">
-        <p14:creationId xmlns:p14="http://schemas.microsoft.com/office/powerpoint/2010/main" val="1980363872"/>
+        <p14:creationId xmlns:p14="http://schemas.microsoft.com/office/powerpoint/2010/main" val="3043034923"/>
       </p:ext>
     </p:extLst>
   </p:cSld>
